--- a/事业编备考/判断推理/判断推理.pptx
+++ b/事业编备考/判断推理/判断推理.pptx
@@ -7,7 +7,9 @@
   <p:sldIdLst>
     <p:sldId id="257" r:id="rId2"/>
     <p:sldId id="258" r:id="rId3"/>
-    <p:sldId id="256" r:id="rId4"/>
+    <p:sldId id="259" r:id="rId4"/>
+    <p:sldId id="260" r:id="rId5"/>
+    <p:sldId id="256" r:id="rId6"/>
   </p:sldIdLst>
   <p:sldSz cx="12192000" cy="6858000"/>
   <p:notesSz cx="6858000" cy="9144000"/>
@@ -261,7 +263,7 @@
           <a:p>
             <a:fld id="{2EEEAFF2-312D-AC4C-B48A-5A13BF469FB7}" type="datetimeFigureOut">
               <a:rPr kumimoji="1" lang="zh-CN" altLang="en-US" smtClean="0"/>
-              <a:t>2022/9/24</a:t>
+              <a:t>2022/9/30</a:t>
             </a:fld>
             <a:endParaRPr kumimoji="1" lang="zh-CN" altLang="en-US"/>
           </a:p>
@@ -459,7 +461,7 @@
           <a:p>
             <a:fld id="{2EEEAFF2-312D-AC4C-B48A-5A13BF469FB7}" type="datetimeFigureOut">
               <a:rPr kumimoji="1" lang="zh-CN" altLang="en-US" smtClean="0"/>
-              <a:t>2022/9/24</a:t>
+              <a:t>2022/9/30</a:t>
             </a:fld>
             <a:endParaRPr kumimoji="1" lang="zh-CN" altLang="en-US"/>
           </a:p>
@@ -667,7 +669,7 @@
           <a:p>
             <a:fld id="{2EEEAFF2-312D-AC4C-B48A-5A13BF469FB7}" type="datetimeFigureOut">
               <a:rPr kumimoji="1" lang="zh-CN" altLang="en-US" smtClean="0"/>
-              <a:t>2022/9/24</a:t>
+              <a:t>2022/9/30</a:t>
             </a:fld>
             <a:endParaRPr kumimoji="1" lang="zh-CN" altLang="en-US"/>
           </a:p>
@@ -865,7 +867,7 @@
           <a:p>
             <a:fld id="{2EEEAFF2-312D-AC4C-B48A-5A13BF469FB7}" type="datetimeFigureOut">
               <a:rPr kumimoji="1" lang="zh-CN" altLang="en-US" smtClean="0"/>
-              <a:t>2022/9/24</a:t>
+              <a:t>2022/9/30</a:t>
             </a:fld>
             <a:endParaRPr kumimoji="1" lang="zh-CN" altLang="en-US"/>
           </a:p>
@@ -1140,7 +1142,7 @@
           <a:p>
             <a:fld id="{2EEEAFF2-312D-AC4C-B48A-5A13BF469FB7}" type="datetimeFigureOut">
               <a:rPr kumimoji="1" lang="zh-CN" altLang="en-US" smtClean="0"/>
-              <a:t>2022/9/24</a:t>
+              <a:t>2022/9/30</a:t>
             </a:fld>
             <a:endParaRPr kumimoji="1" lang="zh-CN" altLang="en-US"/>
           </a:p>
@@ -1405,7 +1407,7 @@
           <a:p>
             <a:fld id="{2EEEAFF2-312D-AC4C-B48A-5A13BF469FB7}" type="datetimeFigureOut">
               <a:rPr kumimoji="1" lang="zh-CN" altLang="en-US" smtClean="0"/>
-              <a:t>2022/9/24</a:t>
+              <a:t>2022/9/30</a:t>
             </a:fld>
             <a:endParaRPr kumimoji="1" lang="zh-CN" altLang="en-US"/>
           </a:p>
@@ -1817,7 +1819,7 @@
           <a:p>
             <a:fld id="{2EEEAFF2-312D-AC4C-B48A-5A13BF469FB7}" type="datetimeFigureOut">
               <a:rPr kumimoji="1" lang="zh-CN" altLang="en-US" smtClean="0"/>
-              <a:t>2022/9/24</a:t>
+              <a:t>2022/9/30</a:t>
             </a:fld>
             <a:endParaRPr kumimoji="1" lang="zh-CN" altLang="en-US"/>
           </a:p>
@@ -1958,7 +1960,7 @@
           <a:p>
             <a:fld id="{2EEEAFF2-312D-AC4C-B48A-5A13BF469FB7}" type="datetimeFigureOut">
               <a:rPr kumimoji="1" lang="zh-CN" altLang="en-US" smtClean="0"/>
-              <a:t>2022/9/24</a:t>
+              <a:t>2022/9/30</a:t>
             </a:fld>
             <a:endParaRPr kumimoji="1" lang="zh-CN" altLang="en-US"/>
           </a:p>
@@ -2071,7 +2073,7 @@
           <a:p>
             <a:fld id="{2EEEAFF2-312D-AC4C-B48A-5A13BF469FB7}" type="datetimeFigureOut">
               <a:rPr kumimoji="1" lang="zh-CN" altLang="en-US" smtClean="0"/>
-              <a:t>2022/9/24</a:t>
+              <a:t>2022/9/30</a:t>
             </a:fld>
             <a:endParaRPr kumimoji="1" lang="zh-CN" altLang="en-US"/>
           </a:p>
@@ -2382,7 +2384,7 @@
           <a:p>
             <a:fld id="{2EEEAFF2-312D-AC4C-B48A-5A13BF469FB7}" type="datetimeFigureOut">
               <a:rPr kumimoji="1" lang="zh-CN" altLang="en-US" smtClean="0"/>
-              <a:t>2022/9/24</a:t>
+              <a:t>2022/9/30</a:t>
             </a:fld>
             <a:endParaRPr kumimoji="1" lang="zh-CN" altLang="en-US"/>
           </a:p>
@@ -2670,7 +2672,7 @@
           <a:p>
             <a:fld id="{2EEEAFF2-312D-AC4C-B48A-5A13BF469FB7}" type="datetimeFigureOut">
               <a:rPr kumimoji="1" lang="zh-CN" altLang="en-US" smtClean="0"/>
-              <a:t>2022/9/24</a:t>
+              <a:t>2022/9/30</a:t>
             </a:fld>
             <a:endParaRPr kumimoji="1" lang="zh-CN" altLang="en-US"/>
           </a:p>
@@ -2911,7 +2913,7 @@
           <a:p>
             <a:fld id="{2EEEAFF2-312D-AC4C-B48A-5A13BF469FB7}" type="datetimeFigureOut">
               <a:rPr kumimoji="1" lang="zh-CN" altLang="en-US" smtClean="0"/>
-              <a:t>2022/9/24</a:t>
+              <a:t>2022/9/30</a:t>
             </a:fld>
             <a:endParaRPr kumimoji="1" lang="zh-CN" altLang="en-US"/>
           </a:p>
@@ -3856,12 +3858,42 @@
           <a:chExt cx="0" cy="0"/>
         </a:xfrm>
       </p:grpSpPr>
-      <p:sp>
-        <p:nvSpPr>
-          <p:cNvPr id="5" name="文本框 4">
-            <a:extLst>
-              <a:ext uri="{FF2B5EF4-FFF2-40B4-BE49-F238E27FC236}">
-                <a16:creationId xmlns:a16="http://schemas.microsoft.com/office/drawing/2014/main" id="{C1CA4DC0-EF72-88B5-7B88-58E9B0FD2C95}"/>
+      <p:pic>
+        <p:nvPicPr>
+          <p:cNvPr id="20" name="图片 19">
+            <a:extLst>
+              <a:ext uri="{FF2B5EF4-FFF2-40B4-BE49-F238E27FC236}">
+                <a16:creationId xmlns:a16="http://schemas.microsoft.com/office/drawing/2014/main" id="{4E177D1F-8E57-61FB-06CF-8CD2F06632DD}"/>
+              </a:ext>
+            </a:extLst>
+          </p:cNvPr>
+          <p:cNvPicPr>
+            <a:picLocks noChangeAspect="1"/>
+          </p:cNvPicPr>
+          <p:nvPr/>
+        </p:nvPicPr>
+        <p:blipFill>
+          <a:blip r:embed="rId2"/>
+          <a:stretch>
+            <a:fillRect/>
+          </a:stretch>
+        </p:blipFill>
+        <p:spPr>
+          <a:xfrm>
+            <a:off x="336885" y="1050377"/>
+            <a:ext cx="5791200" cy="5219700"/>
+          </a:xfrm>
+          <a:prstGeom prst="rect">
+            <a:avLst/>
+          </a:prstGeom>
+        </p:spPr>
+      </p:pic>
+      <p:sp>
+        <p:nvSpPr>
+          <p:cNvPr id="4" name="文本框 3">
+            <a:extLst>
+              <a:ext uri="{FF2B5EF4-FFF2-40B4-BE49-F238E27FC236}">
+                <a16:creationId xmlns:a16="http://schemas.microsoft.com/office/drawing/2014/main" id="{AC121B59-2AF8-3713-9199-EC10C72305DF}"/>
               </a:ext>
             </a:extLst>
           </p:cNvPr>
@@ -3871,7 +3903,7 @@
         <p:spPr>
           <a:xfrm>
             <a:off x="336885" y="327259"/>
-            <a:ext cx="1415772" cy="461665"/>
+            <a:ext cx="800219" cy="461665"/>
           </a:xfrm>
           <a:prstGeom prst="rect">
             <a:avLst/>
@@ -3886,8 +3918,1300 @@
           <a:p>
             <a:r>
               <a:rPr kumimoji="1" lang="zh-CN" altLang="en-US" sz="2400" b="1" dirty="0"/>
+              <a:t>加强</a:t>
+            </a:r>
+          </a:p>
+        </p:txBody>
+      </p:sp>
+      <p:sp>
+        <p:nvSpPr>
+          <p:cNvPr id="5" name="文本框 4">
+            <a:extLst>
+              <a:ext uri="{FF2B5EF4-FFF2-40B4-BE49-F238E27FC236}">
+                <a16:creationId xmlns:a16="http://schemas.microsoft.com/office/drawing/2014/main" id="{C617B9AF-78BA-6B55-4F95-7C526AE50B4C}"/>
+              </a:ext>
+            </a:extLst>
+          </p:cNvPr>
+          <p:cNvSpPr txBox="1"/>
+          <p:nvPr/>
+        </p:nvSpPr>
+        <p:spPr>
+          <a:xfrm>
+            <a:off x="5192665" y="1218977"/>
+            <a:ext cx="5500224" cy="369332"/>
+          </a:xfrm>
+          <a:prstGeom prst="rect">
+            <a:avLst/>
+          </a:prstGeom>
+          <a:noFill/>
+        </p:spPr>
+        <p:txBody>
+          <a:bodyPr wrap="none" rtlCol="0">
+            <a:spAutoFit/>
+          </a:bodyPr>
+          <a:lstStyle/>
+          <a:p>
+            <a:r>
+              <a:rPr kumimoji="1" lang="zh-CN" altLang="en-US" b="1" dirty="0"/>
+              <a:t>一个理由能推出第二个理由，第二个理由能推出结论</a:t>
+            </a:r>
+          </a:p>
+        </p:txBody>
+      </p:sp>
+      <p:sp>
+        <p:nvSpPr>
+          <p:cNvPr id="21" name="文本框 20">
+            <a:extLst>
+              <a:ext uri="{FF2B5EF4-FFF2-40B4-BE49-F238E27FC236}">
+                <a16:creationId xmlns:a16="http://schemas.microsoft.com/office/drawing/2014/main" id="{7D1953A7-F60B-EB7F-4A26-B0ABE65CD2F8}"/>
+              </a:ext>
+            </a:extLst>
+          </p:cNvPr>
+          <p:cNvSpPr txBox="1"/>
+          <p:nvPr/>
+        </p:nvSpPr>
+        <p:spPr>
+          <a:xfrm>
+            <a:off x="5192665" y="2072013"/>
+            <a:ext cx="5396029" cy="369332"/>
+          </a:xfrm>
+          <a:prstGeom prst="rect">
+            <a:avLst/>
+          </a:prstGeom>
+          <a:noFill/>
+        </p:spPr>
+        <p:txBody>
+          <a:bodyPr wrap="none" rtlCol="0">
+            <a:spAutoFit/>
+          </a:bodyPr>
+          <a:lstStyle/>
+          <a:p>
+            <a:r>
+              <a:rPr kumimoji="1" lang="en-US" altLang="zh-CN" b="1" dirty="0"/>
+              <a:t>P1</a:t>
+            </a:r>
+            <a:r>
+              <a:rPr kumimoji="1" lang="zh-CN" altLang="en-US" b="1" dirty="0"/>
+              <a:t>、</a:t>
+            </a:r>
+            <a:r>
+              <a:rPr kumimoji="1" lang="en-US" altLang="zh-CN" b="1" dirty="0"/>
+              <a:t>p2</a:t>
+            </a:r>
+            <a:r>
+              <a:rPr kumimoji="1" lang="zh-CN" altLang="en-US" b="1" dirty="0"/>
+              <a:t> 两个理由同时发挥效果，才能推出这个结论</a:t>
+            </a:r>
+          </a:p>
+        </p:txBody>
+      </p:sp>
+      <p:sp>
+        <p:nvSpPr>
+          <p:cNvPr id="22" name="文本框 21">
+            <a:extLst>
+              <a:ext uri="{FF2B5EF4-FFF2-40B4-BE49-F238E27FC236}">
+                <a16:creationId xmlns:a16="http://schemas.microsoft.com/office/drawing/2014/main" id="{9CA3A25C-D5C7-6A1C-CA3B-A6767E72DF72}"/>
+              </a:ext>
+            </a:extLst>
+          </p:cNvPr>
+          <p:cNvSpPr txBox="1"/>
+          <p:nvPr/>
+        </p:nvSpPr>
+        <p:spPr>
+          <a:xfrm>
+            <a:off x="5192665" y="3059668"/>
+            <a:ext cx="4241867" cy="369332"/>
+          </a:xfrm>
+          <a:prstGeom prst="rect">
+            <a:avLst/>
+          </a:prstGeom>
+          <a:noFill/>
+        </p:spPr>
+        <p:txBody>
+          <a:bodyPr wrap="none" rtlCol="0">
+            <a:spAutoFit/>
+          </a:bodyPr>
+          <a:lstStyle/>
+          <a:p>
+            <a:r>
+              <a:rPr kumimoji="1" lang="en-US" altLang="zh-CN" b="1" dirty="0"/>
+              <a:t>P1</a:t>
+            </a:r>
+            <a:r>
+              <a:rPr kumimoji="1" lang="zh-CN" altLang="en-US" b="1" dirty="0"/>
+              <a:t>、</a:t>
+            </a:r>
+            <a:r>
+              <a:rPr kumimoji="1" lang="en-US" altLang="zh-CN" b="1" dirty="0"/>
+              <a:t>p2</a:t>
+            </a:r>
+            <a:r>
+              <a:rPr kumimoji="1" lang="zh-CN" altLang="en-US" b="1" dirty="0"/>
+              <a:t> 无需互相帮忙，能独自推出结论</a:t>
+            </a:r>
+          </a:p>
+        </p:txBody>
+      </p:sp>
+      <p:sp>
+        <p:nvSpPr>
+          <p:cNvPr id="23" name="文本框 22">
+            <a:extLst>
+              <a:ext uri="{FF2B5EF4-FFF2-40B4-BE49-F238E27FC236}">
+                <a16:creationId xmlns:a16="http://schemas.microsoft.com/office/drawing/2014/main" id="{5F02E31A-0D5A-02F1-3E6C-E30C87FAF1C8}"/>
+              </a:ext>
+            </a:extLst>
+          </p:cNvPr>
+          <p:cNvSpPr txBox="1"/>
+          <p:nvPr/>
+        </p:nvSpPr>
+        <p:spPr>
+          <a:xfrm>
+            <a:off x="5192665" y="2496788"/>
+            <a:ext cx="6526146" cy="369332"/>
+          </a:xfrm>
+          <a:prstGeom prst="rect">
+            <a:avLst/>
+          </a:prstGeom>
+          <a:noFill/>
+        </p:spPr>
+        <p:txBody>
+          <a:bodyPr wrap="none" rtlCol="0">
+            <a:spAutoFit/>
+          </a:bodyPr>
+          <a:lstStyle/>
+          <a:p>
+            <a:r>
+              <a:rPr kumimoji="1" lang="zh-CN" altLang="en-US" b="1" dirty="0"/>
+              <a:t>识别：前提是？假设是？（没有</a:t>
+            </a:r>
+            <a:r>
+              <a:rPr kumimoji="1" lang="en-US" altLang="zh-CN" b="1" dirty="0"/>
+              <a:t>p2</a:t>
+            </a:r>
+            <a:r>
+              <a:rPr kumimoji="1" lang="zh-CN" altLang="en-US" b="1" dirty="0"/>
+              <a:t>不行，</a:t>
+            </a:r>
+            <a:r>
+              <a:rPr kumimoji="1" lang="en-US" altLang="zh-CN" b="1" dirty="0"/>
+              <a:t>p2</a:t>
+            </a:r>
+            <a:r>
+              <a:rPr kumimoji="1" lang="zh-CN" altLang="en-US" b="1" dirty="0"/>
+              <a:t>又称为前提</a:t>
+            </a:r>
+            <a:r>
+              <a:rPr kumimoji="1" lang="en-US" altLang="zh-CN" b="1" dirty="0"/>
+              <a:t>/</a:t>
+            </a:r>
+            <a:r>
+              <a:rPr kumimoji="1" lang="zh-CN" altLang="en-US" b="1" dirty="0"/>
+              <a:t>假设）</a:t>
+            </a:r>
+          </a:p>
+        </p:txBody>
+      </p:sp>
+      <p:sp>
+        <p:nvSpPr>
+          <p:cNvPr id="24" name="文本框 23">
+            <a:extLst>
+              <a:ext uri="{FF2B5EF4-FFF2-40B4-BE49-F238E27FC236}">
+                <a16:creationId xmlns:a16="http://schemas.microsoft.com/office/drawing/2014/main" id="{79E6F427-15E5-B034-5518-B1744FABF9CF}"/>
+              </a:ext>
+            </a:extLst>
+          </p:cNvPr>
+          <p:cNvSpPr txBox="1"/>
+          <p:nvPr/>
+        </p:nvSpPr>
+        <p:spPr>
+          <a:xfrm>
+            <a:off x="5192665" y="3429000"/>
+            <a:ext cx="5567550" cy="646331"/>
+          </a:xfrm>
+          <a:prstGeom prst="rect">
+            <a:avLst/>
+          </a:prstGeom>
+          <a:noFill/>
+        </p:spPr>
+        <p:txBody>
+          <a:bodyPr wrap="none" rtlCol="0">
+            <a:spAutoFit/>
+          </a:bodyPr>
+          <a:lstStyle/>
+          <a:p>
+            <a:r>
+              <a:rPr kumimoji="1" lang="zh-CN" altLang="en-US" b="1" dirty="0"/>
+              <a:t>题目中已经有理由</a:t>
+            </a:r>
+            <a:r>
+              <a:rPr kumimoji="1" lang="en-US" altLang="zh-CN" b="1" dirty="0"/>
+              <a:t>p1</a:t>
+            </a:r>
+            <a:r>
+              <a:rPr kumimoji="1" lang="zh-CN" altLang="en-US" b="1" dirty="0"/>
+              <a:t>，再举个例子</a:t>
+            </a:r>
+            <a:r>
+              <a:rPr kumimoji="1" lang="en-US" altLang="zh-CN" b="1" dirty="0"/>
+              <a:t>p2</a:t>
+            </a:r>
+            <a:r>
+              <a:rPr kumimoji="1" lang="zh-CN" altLang="en-US" b="1" dirty="0"/>
+              <a:t>，使结论更可靠</a:t>
+            </a:r>
+            <a:endParaRPr kumimoji="1" lang="en-US" altLang="zh-CN" b="1" dirty="0"/>
+          </a:p>
+          <a:p>
+            <a:r>
+              <a:rPr kumimoji="1" lang="zh-CN" altLang="en-US" b="1" dirty="0"/>
+              <a:t>（没有也行，有则更好）</a:t>
+            </a:r>
+          </a:p>
+        </p:txBody>
+      </p:sp>
+      <p:sp>
+        <p:nvSpPr>
+          <p:cNvPr id="25" name="文本框 24">
+            <a:extLst>
+              <a:ext uri="{FF2B5EF4-FFF2-40B4-BE49-F238E27FC236}">
+                <a16:creationId xmlns:a16="http://schemas.microsoft.com/office/drawing/2014/main" id="{1F99F8DA-44A1-577A-72D3-0EFD98CDC4F7}"/>
+              </a:ext>
+            </a:extLst>
+          </p:cNvPr>
+          <p:cNvSpPr txBox="1"/>
+          <p:nvPr/>
+        </p:nvSpPr>
+        <p:spPr>
+          <a:xfrm>
+            <a:off x="5192665" y="4268879"/>
+            <a:ext cx="2787943" cy="369332"/>
+          </a:xfrm>
+          <a:prstGeom prst="rect">
+            <a:avLst/>
+          </a:prstGeom>
+          <a:noFill/>
+        </p:spPr>
+        <p:txBody>
+          <a:bodyPr wrap="none" rtlCol="0">
+            <a:spAutoFit/>
+          </a:bodyPr>
+          <a:lstStyle/>
+          <a:p>
+            <a:r>
+              <a:rPr kumimoji="1" lang="zh-CN" altLang="en-US" b="1" dirty="0"/>
+              <a:t>（发散式没考过、不管）</a:t>
+            </a:r>
+          </a:p>
+        </p:txBody>
+      </p:sp>
+      <p:sp>
+        <p:nvSpPr>
+          <p:cNvPr id="26" name="文本框 25">
+            <a:extLst>
+              <a:ext uri="{FF2B5EF4-FFF2-40B4-BE49-F238E27FC236}">
+                <a16:creationId xmlns:a16="http://schemas.microsoft.com/office/drawing/2014/main" id="{2138B5B7-238C-631D-8614-AEA1F0B4B96B}"/>
+              </a:ext>
+            </a:extLst>
+          </p:cNvPr>
+          <p:cNvSpPr txBox="1"/>
+          <p:nvPr/>
+        </p:nvSpPr>
+        <p:spPr>
+          <a:xfrm>
+            <a:off x="5334555" y="5269691"/>
+            <a:ext cx="1338828" cy="369332"/>
+          </a:xfrm>
+          <a:prstGeom prst="rect">
+            <a:avLst/>
+          </a:prstGeom>
+          <a:noFill/>
+        </p:spPr>
+        <p:txBody>
+          <a:bodyPr wrap="none" rtlCol="0">
+            <a:spAutoFit/>
+          </a:bodyPr>
+          <a:lstStyle/>
+          <a:p>
+            <a:r>
+              <a:rPr kumimoji="1" lang="zh-CN" altLang="en-US" b="1" dirty="0"/>
+              <a:t>否定带入法</a:t>
+            </a:r>
+          </a:p>
+        </p:txBody>
+      </p:sp>
+      <p:sp>
+        <p:nvSpPr>
+          <p:cNvPr id="27" name="文本框 26">
+            <a:extLst>
+              <a:ext uri="{FF2B5EF4-FFF2-40B4-BE49-F238E27FC236}">
+                <a16:creationId xmlns:a16="http://schemas.microsoft.com/office/drawing/2014/main" id="{4FB5DEAE-631E-4F85-E2F3-C9B652491350}"/>
+              </a:ext>
+            </a:extLst>
+          </p:cNvPr>
+          <p:cNvSpPr txBox="1"/>
+          <p:nvPr/>
+        </p:nvSpPr>
+        <p:spPr>
+          <a:xfrm>
+            <a:off x="6603949" y="5072561"/>
+            <a:ext cx="1606530" cy="369332"/>
+          </a:xfrm>
+          <a:prstGeom prst="rect">
+            <a:avLst/>
+          </a:prstGeom>
+          <a:noFill/>
+        </p:spPr>
+        <p:txBody>
+          <a:bodyPr wrap="none" rtlCol="0">
+            <a:spAutoFit/>
+          </a:bodyPr>
+          <a:lstStyle/>
+          <a:p>
+            <a:r>
+              <a:rPr kumimoji="1" lang="zh-CN" altLang="en-US" b="1" dirty="0"/>
+              <a:t>如何判断</a:t>
+            </a:r>
+            <a:r>
+              <a:rPr kumimoji="1" lang="en-US" altLang="zh-CN" b="1" dirty="0"/>
+              <a:t>p2</a:t>
+            </a:r>
+            <a:r>
+              <a:rPr kumimoji="1" lang="zh-CN" altLang="en-US" b="1" dirty="0"/>
+              <a:t>？</a:t>
+            </a:r>
+          </a:p>
+        </p:txBody>
+      </p:sp>
+      <p:sp>
+        <p:nvSpPr>
+          <p:cNvPr id="28" name="文本框 27">
+            <a:extLst>
+              <a:ext uri="{FF2B5EF4-FFF2-40B4-BE49-F238E27FC236}">
+                <a16:creationId xmlns:a16="http://schemas.microsoft.com/office/drawing/2014/main" id="{09E51496-60EC-6F69-83BB-0A978E7DF3FF}"/>
+              </a:ext>
+            </a:extLst>
+          </p:cNvPr>
+          <p:cNvSpPr txBox="1"/>
+          <p:nvPr/>
+        </p:nvSpPr>
+        <p:spPr>
+          <a:xfrm>
+            <a:off x="6603949" y="5466821"/>
+            <a:ext cx="2044149" cy="369332"/>
+          </a:xfrm>
+          <a:prstGeom prst="rect">
+            <a:avLst/>
+          </a:prstGeom>
+          <a:noFill/>
+        </p:spPr>
+        <p:txBody>
+          <a:bodyPr wrap="none" rtlCol="0">
+            <a:spAutoFit/>
+          </a:bodyPr>
+          <a:lstStyle/>
+          <a:p>
+            <a:r>
+              <a:rPr kumimoji="1" lang="zh-CN" altLang="en-US" b="1" dirty="0"/>
+              <a:t>看</a:t>
+            </a:r>
+            <a:r>
+              <a:rPr kumimoji="1" lang="en-US" altLang="zh-CN" b="1" dirty="0"/>
+              <a:t>p1</a:t>
+            </a:r>
+            <a:r>
+              <a:rPr kumimoji="1" lang="zh-CN" altLang="en-US" b="1" dirty="0"/>
+              <a:t>能否直接推 </a:t>
+            </a:r>
+            <a:r>
+              <a:rPr kumimoji="1" lang="en-US" altLang="zh-CN" b="1" dirty="0"/>
+              <a:t>C</a:t>
+            </a:r>
+            <a:endParaRPr kumimoji="1" lang="zh-CN" altLang="en-US" b="1" dirty="0"/>
+          </a:p>
+        </p:txBody>
+      </p:sp>
+    </p:spTree>
+    <p:extLst>
+      <p:ext uri="{BB962C8B-B14F-4D97-AF65-F5344CB8AC3E}">
+        <p14:creationId xmlns:p14="http://schemas.microsoft.com/office/powerpoint/2010/main" val="1574125310"/>
+      </p:ext>
+    </p:extLst>
+  </p:cSld>
+  <p:clrMapOvr>
+    <a:masterClrMapping/>
+  </p:clrMapOvr>
+</p:sld>
+</file>
+
+<file path=ppt/slides/slide4.xml><?xml version="1.0" encoding="utf-8"?>
+<p:sld xmlns:a="http://schemas.openxmlformats.org/drawingml/2006/main" xmlns:r="http://schemas.openxmlformats.org/officeDocument/2006/relationships" xmlns:p="http://schemas.openxmlformats.org/presentationml/2006/main">
+  <p:cSld>
+    <p:spTree>
+      <p:nvGrpSpPr>
+        <p:cNvPr id="1" name=""/>
+        <p:cNvGrpSpPr/>
+        <p:nvPr/>
+      </p:nvGrpSpPr>
+      <p:grpSpPr>
+        <a:xfrm>
+          <a:off x="0" y="0"/>
+          <a:ext cx="0" cy="0"/>
+          <a:chOff x="0" y="0"/>
+          <a:chExt cx="0" cy="0"/>
+        </a:xfrm>
+      </p:grpSpPr>
+      <p:sp>
+        <p:nvSpPr>
+          <p:cNvPr id="4" name="文本框 3">
+            <a:extLst>
+              <a:ext uri="{FF2B5EF4-FFF2-40B4-BE49-F238E27FC236}">
+                <a16:creationId xmlns:a16="http://schemas.microsoft.com/office/drawing/2014/main" id="{7A83F834-5B03-56E6-FD66-146C239E5DC6}"/>
+              </a:ext>
+            </a:extLst>
+          </p:cNvPr>
+          <p:cNvSpPr txBox="1"/>
+          <p:nvPr/>
+        </p:nvSpPr>
+        <p:spPr>
+          <a:xfrm>
+            <a:off x="336885" y="327259"/>
+            <a:ext cx="800219" cy="461665"/>
+          </a:xfrm>
+          <a:prstGeom prst="rect">
+            <a:avLst/>
+          </a:prstGeom>
+          <a:noFill/>
+        </p:spPr>
+        <p:txBody>
+          <a:bodyPr wrap="none" rtlCol="0">
+            <a:spAutoFit/>
+          </a:bodyPr>
+          <a:lstStyle/>
+          <a:p>
+            <a:r>
+              <a:rPr kumimoji="1" lang="zh-CN" altLang="en-US" sz="2400" b="1" dirty="0"/>
+              <a:t>削弱</a:t>
+            </a:r>
+          </a:p>
+        </p:txBody>
+      </p:sp>
+      <p:sp>
+        <p:nvSpPr>
+          <p:cNvPr id="5" name="文本框 4">
+            <a:extLst>
+              <a:ext uri="{FF2B5EF4-FFF2-40B4-BE49-F238E27FC236}">
+                <a16:creationId xmlns:a16="http://schemas.microsoft.com/office/drawing/2014/main" id="{FA01DD67-DAAF-19F9-AEF2-C12C18527B9D}"/>
+              </a:ext>
+            </a:extLst>
+          </p:cNvPr>
+          <p:cNvSpPr txBox="1"/>
+          <p:nvPr/>
+        </p:nvSpPr>
+        <p:spPr>
+          <a:xfrm>
+            <a:off x="336885" y="1353954"/>
+            <a:ext cx="1338828" cy="369332"/>
+          </a:xfrm>
+          <a:prstGeom prst="rect">
+            <a:avLst/>
+          </a:prstGeom>
+          <a:noFill/>
+        </p:spPr>
+        <p:txBody>
+          <a:bodyPr wrap="none" rtlCol="0">
+            <a:spAutoFit/>
+          </a:bodyPr>
+          <a:lstStyle/>
+          <a:p>
+            <a:r>
+              <a:rPr kumimoji="1" lang="zh-CN" altLang="en-US" b="1" dirty="0"/>
+              <a:t>因果倒置型</a:t>
+            </a:r>
+          </a:p>
+        </p:txBody>
+      </p:sp>
+      <p:sp>
+        <p:nvSpPr>
+          <p:cNvPr id="6" name="文本框 5">
+            <a:extLst>
+              <a:ext uri="{FF2B5EF4-FFF2-40B4-BE49-F238E27FC236}">
+                <a16:creationId xmlns:a16="http://schemas.microsoft.com/office/drawing/2014/main" id="{D676ED5D-5D83-93DD-4DAB-F099687EE217}"/>
+              </a:ext>
+            </a:extLst>
+          </p:cNvPr>
+          <p:cNvSpPr txBox="1"/>
+          <p:nvPr/>
+        </p:nvSpPr>
+        <p:spPr>
+          <a:xfrm>
+            <a:off x="1675713" y="1076955"/>
+            <a:ext cx="1338828" cy="923330"/>
+          </a:xfrm>
+          <a:prstGeom prst="rect">
+            <a:avLst/>
+          </a:prstGeom>
+          <a:noFill/>
+        </p:spPr>
+        <p:txBody>
+          <a:bodyPr wrap="none" rtlCol="0">
+            <a:spAutoFit/>
+          </a:bodyPr>
+          <a:lstStyle/>
+          <a:p>
+            <a:r>
+              <a:rPr kumimoji="1" lang="zh-CN" altLang="en-US" b="1" dirty="0"/>
+              <a:t>题中有因果</a:t>
+            </a:r>
+            <a:endParaRPr kumimoji="1" lang="en-US" altLang="zh-CN" b="1" dirty="0"/>
+          </a:p>
+          <a:p>
+            <a:endParaRPr kumimoji="1" lang="en-US" altLang="zh-CN" b="1" dirty="0"/>
+          </a:p>
+          <a:p>
+            <a:r>
+              <a:rPr kumimoji="1" lang="zh-CN" altLang="en-US" b="1" dirty="0"/>
+              <a:t>因果反着说</a:t>
+            </a:r>
+          </a:p>
+        </p:txBody>
+      </p:sp>
+      <p:sp>
+        <p:nvSpPr>
+          <p:cNvPr id="7" name="文本框 6">
+            <a:extLst>
+              <a:ext uri="{FF2B5EF4-FFF2-40B4-BE49-F238E27FC236}">
+                <a16:creationId xmlns:a16="http://schemas.microsoft.com/office/drawing/2014/main" id="{92946027-BD30-C286-F042-280F78A16279}"/>
+              </a:ext>
+            </a:extLst>
+          </p:cNvPr>
+          <p:cNvSpPr txBox="1"/>
+          <p:nvPr/>
+        </p:nvSpPr>
+        <p:spPr>
+          <a:xfrm>
+            <a:off x="336885" y="2776406"/>
+            <a:ext cx="1338828" cy="369332"/>
+          </a:xfrm>
+          <a:prstGeom prst="rect">
+            <a:avLst/>
+          </a:prstGeom>
+          <a:noFill/>
+        </p:spPr>
+        <p:txBody>
+          <a:bodyPr wrap="none" rtlCol="0">
+            <a:spAutoFit/>
+          </a:bodyPr>
+          <a:lstStyle/>
+          <a:p>
+            <a:r>
+              <a:rPr kumimoji="1" lang="zh-CN" altLang="en-US" b="1" dirty="0"/>
+              <a:t>题干吵架型</a:t>
+            </a:r>
+          </a:p>
+        </p:txBody>
+      </p:sp>
+      <p:sp>
+        <p:nvSpPr>
+          <p:cNvPr id="8" name="文本框 7">
+            <a:extLst>
+              <a:ext uri="{FF2B5EF4-FFF2-40B4-BE49-F238E27FC236}">
+                <a16:creationId xmlns:a16="http://schemas.microsoft.com/office/drawing/2014/main" id="{3AC43DE2-7E4A-43C3-4509-1E86C0C8F287}"/>
+              </a:ext>
+            </a:extLst>
+          </p:cNvPr>
+          <p:cNvSpPr txBox="1"/>
+          <p:nvPr/>
+        </p:nvSpPr>
+        <p:spPr>
+          <a:xfrm>
+            <a:off x="1675713" y="2499407"/>
+            <a:ext cx="2582758" cy="923330"/>
+          </a:xfrm>
+          <a:prstGeom prst="rect">
+            <a:avLst/>
+          </a:prstGeom>
+          <a:noFill/>
+        </p:spPr>
+        <p:txBody>
+          <a:bodyPr wrap="none" rtlCol="0">
+            <a:spAutoFit/>
+          </a:bodyPr>
+          <a:lstStyle/>
+          <a:p>
+            <a:r>
+              <a:rPr kumimoji="1" lang="zh-CN" altLang="en-US" b="1" dirty="0"/>
+              <a:t>不是 </a:t>
+            </a:r>
+            <a:r>
+              <a:rPr kumimoji="1" lang="en-US" altLang="zh-CN" b="1" dirty="0"/>
+              <a:t>A</a:t>
+            </a:r>
+            <a:r>
+              <a:rPr kumimoji="1" lang="zh-CN" altLang="en-US" b="1" dirty="0"/>
+              <a:t> 而是 </a:t>
+            </a:r>
+            <a:r>
+              <a:rPr kumimoji="1" lang="en-US" altLang="zh-CN" b="1" dirty="0"/>
+              <a:t>B</a:t>
+            </a:r>
+            <a:r>
+              <a:rPr kumimoji="1" lang="zh-CN" altLang="en-US" b="1" dirty="0"/>
+              <a:t> 导致结果</a:t>
+            </a:r>
+            <a:endParaRPr kumimoji="1" lang="en-US" altLang="zh-CN" b="1" dirty="0"/>
+          </a:p>
+          <a:p>
+            <a:endParaRPr kumimoji="1" lang="en-US" altLang="zh-CN" b="1" dirty="0"/>
+          </a:p>
+          <a:p>
+            <a:r>
+              <a:rPr kumimoji="1" lang="en-US" altLang="zh-CN" b="1" dirty="0"/>
+              <a:t>A</a:t>
+            </a:r>
+            <a:r>
+              <a:rPr kumimoji="1" lang="zh-CN" altLang="en-US" b="1" dirty="0"/>
+              <a:t> 导致 </a:t>
+            </a:r>
+            <a:r>
+              <a:rPr kumimoji="1" lang="en-US" altLang="zh-CN" b="1" dirty="0"/>
+              <a:t>B</a:t>
+            </a:r>
+            <a:endParaRPr kumimoji="1" lang="zh-CN" altLang="en-US" b="1" dirty="0"/>
+          </a:p>
+        </p:txBody>
+      </p:sp>
+      <p:sp>
+        <p:nvSpPr>
+          <p:cNvPr id="9" name="文本框 8">
+            <a:extLst>
+              <a:ext uri="{FF2B5EF4-FFF2-40B4-BE49-F238E27FC236}">
+                <a16:creationId xmlns:a16="http://schemas.microsoft.com/office/drawing/2014/main" id="{5119B422-0F06-702C-0ED1-4145ECE3D4E2}"/>
+              </a:ext>
+            </a:extLst>
+          </p:cNvPr>
+          <p:cNvSpPr txBox="1"/>
+          <p:nvPr/>
+        </p:nvSpPr>
+        <p:spPr>
+          <a:xfrm>
+            <a:off x="336885" y="4146308"/>
+            <a:ext cx="1338828" cy="369332"/>
+          </a:xfrm>
+          <a:prstGeom prst="rect">
+            <a:avLst/>
+          </a:prstGeom>
+          <a:noFill/>
+        </p:spPr>
+        <p:txBody>
+          <a:bodyPr wrap="none" rtlCol="0">
+            <a:spAutoFit/>
+          </a:bodyPr>
+          <a:lstStyle/>
+          <a:p>
+            <a:r>
+              <a:rPr kumimoji="1" lang="zh-CN" altLang="en-US" b="1" dirty="0"/>
+              <a:t>翻译论点型</a:t>
+            </a:r>
+          </a:p>
+        </p:txBody>
+      </p:sp>
+      <p:sp>
+        <p:nvSpPr>
+          <p:cNvPr id="10" name="文本框 9">
+            <a:extLst>
+              <a:ext uri="{FF2B5EF4-FFF2-40B4-BE49-F238E27FC236}">
+                <a16:creationId xmlns:a16="http://schemas.microsoft.com/office/drawing/2014/main" id="{41C82539-E534-9320-FFCC-2F8F2B4CF714}"/>
+              </a:ext>
+            </a:extLst>
+          </p:cNvPr>
+          <p:cNvSpPr txBox="1"/>
+          <p:nvPr/>
+        </p:nvSpPr>
+        <p:spPr>
+          <a:xfrm>
+            <a:off x="1675713" y="3870401"/>
+            <a:ext cx="4224233" cy="923330"/>
+          </a:xfrm>
+          <a:prstGeom prst="rect">
+            <a:avLst/>
+          </a:prstGeom>
+          <a:noFill/>
+        </p:spPr>
+        <p:txBody>
+          <a:bodyPr wrap="none" rtlCol="0">
+            <a:spAutoFit/>
+          </a:bodyPr>
+          <a:lstStyle/>
+          <a:p>
+            <a:r>
+              <a:rPr kumimoji="1" lang="zh-CN" altLang="en-US" b="1" dirty="0"/>
+              <a:t>论点能翻译（成 </a:t>
+            </a:r>
+            <a:r>
+              <a:rPr kumimoji="1" lang="en-US" altLang="zh-CN" b="1" dirty="0"/>
+              <a:t>A</a:t>
+            </a:r>
+            <a:r>
+              <a:rPr kumimoji="1" lang="zh-CN" altLang="en-US" b="1" dirty="0"/>
+              <a:t> </a:t>
+            </a:r>
+            <a:r>
+              <a:rPr kumimoji="1" lang="en-US" altLang="zh-CN" b="1" dirty="0"/>
+              <a:t>➡️</a:t>
+            </a:r>
+            <a:r>
+              <a:rPr kumimoji="1" lang="zh-CN" altLang="en-US" b="1" dirty="0"/>
+              <a:t> </a:t>
+            </a:r>
+            <a:r>
+              <a:rPr kumimoji="1" lang="en-US" altLang="zh-CN" b="1" dirty="0"/>
+              <a:t>B</a:t>
+            </a:r>
+            <a:r>
+              <a:rPr kumimoji="1" lang="zh-CN" altLang="en-US" b="1" dirty="0"/>
+              <a:t> ，</a:t>
+            </a:r>
+            <a:r>
+              <a:rPr kumimoji="1" lang="en-US" altLang="zh-CN" b="1" dirty="0"/>
+              <a:t>B</a:t>
+            </a:r>
+            <a:r>
+              <a:rPr kumimoji="1" lang="zh-CN" altLang="en-US" b="1" dirty="0"/>
+              <a:t> </a:t>
+            </a:r>
+            <a:r>
+              <a:rPr kumimoji="1" lang="en-US" altLang="zh-CN" b="1" dirty="0"/>
+              <a:t>➡️</a:t>
+            </a:r>
+            <a:r>
+              <a:rPr kumimoji="1" lang="zh-CN" altLang="en-US" b="1" dirty="0"/>
+              <a:t> </a:t>
+            </a:r>
+            <a:r>
+              <a:rPr kumimoji="1" lang="en-US" altLang="zh-CN" b="1" dirty="0"/>
+              <a:t>A</a:t>
+            </a:r>
+            <a:r>
+              <a:rPr kumimoji="1" lang="zh-CN" altLang="en-US" b="1" dirty="0"/>
+              <a:t> 都行）</a:t>
+            </a:r>
+            <a:endParaRPr kumimoji="1" lang="en-US" altLang="zh-CN" b="1" dirty="0"/>
+          </a:p>
+          <a:p>
+            <a:endParaRPr kumimoji="1" lang="en-US" altLang="zh-CN" b="1" dirty="0"/>
+          </a:p>
+          <a:p>
+            <a:r>
+              <a:rPr kumimoji="1" lang="en-US" altLang="zh-CN" b="1" dirty="0"/>
+              <a:t>A</a:t>
+            </a:r>
+            <a:r>
+              <a:rPr kumimoji="1" lang="zh-CN" altLang="en-US" b="1" dirty="0"/>
+              <a:t> 且 </a:t>
+            </a:r>
+            <a:r>
+              <a:rPr kumimoji="1" lang="en-US" altLang="zh-CN" b="1" dirty="0"/>
+              <a:t>-B</a:t>
+            </a:r>
+            <a:endParaRPr kumimoji="1" lang="zh-CN" altLang="en-US" b="1" dirty="0"/>
+          </a:p>
+        </p:txBody>
+      </p:sp>
+      <p:sp>
+        <p:nvSpPr>
+          <p:cNvPr id="11" name="文本框 10">
+            <a:extLst>
+              <a:ext uri="{FF2B5EF4-FFF2-40B4-BE49-F238E27FC236}">
+                <a16:creationId xmlns:a16="http://schemas.microsoft.com/office/drawing/2014/main" id="{CF60A61A-8534-F895-9350-B73B06F060F7}"/>
+              </a:ext>
+            </a:extLst>
+          </p:cNvPr>
+          <p:cNvSpPr txBox="1"/>
+          <p:nvPr/>
+        </p:nvSpPr>
+        <p:spPr>
+          <a:xfrm>
+            <a:off x="336885" y="5516210"/>
+            <a:ext cx="1338828" cy="369332"/>
+          </a:xfrm>
+          <a:prstGeom prst="rect">
+            <a:avLst/>
+          </a:prstGeom>
+          <a:noFill/>
+        </p:spPr>
+        <p:txBody>
+          <a:bodyPr wrap="none" rtlCol="0">
+            <a:spAutoFit/>
+          </a:bodyPr>
+          <a:lstStyle/>
+          <a:p>
+            <a:r>
+              <a:rPr kumimoji="1" lang="zh-CN" altLang="en-US" b="1" dirty="0"/>
+              <a:t>举措有效型</a:t>
+            </a:r>
+          </a:p>
+        </p:txBody>
+      </p:sp>
+      <p:sp>
+        <p:nvSpPr>
+          <p:cNvPr id="12" name="文本框 11">
+            <a:extLst>
+              <a:ext uri="{FF2B5EF4-FFF2-40B4-BE49-F238E27FC236}">
+                <a16:creationId xmlns:a16="http://schemas.microsoft.com/office/drawing/2014/main" id="{3A2F9FB1-2F35-FE74-C32B-1D05110ECC62}"/>
+              </a:ext>
+            </a:extLst>
+          </p:cNvPr>
+          <p:cNvSpPr txBox="1"/>
+          <p:nvPr/>
+        </p:nvSpPr>
+        <p:spPr>
+          <a:xfrm>
+            <a:off x="1675713" y="5239211"/>
+            <a:ext cx="2977097" cy="923330"/>
+          </a:xfrm>
+          <a:prstGeom prst="rect">
+            <a:avLst/>
+          </a:prstGeom>
+          <a:noFill/>
+        </p:spPr>
+        <p:txBody>
+          <a:bodyPr wrap="none" rtlCol="0">
+            <a:spAutoFit/>
+          </a:bodyPr>
+          <a:lstStyle/>
+          <a:p>
+            <a:r>
+              <a:rPr kumimoji="1" lang="en-US" altLang="zh-CN" b="1" dirty="0"/>
+              <a:t>A</a:t>
+            </a:r>
+            <a:r>
+              <a:rPr kumimoji="1" lang="zh-CN" altLang="en-US" b="1" dirty="0"/>
+              <a:t> 办法有效果     </a:t>
+            </a:r>
+            <a:r>
+              <a:rPr kumimoji="1" lang="en-US" altLang="zh-CN" b="1" dirty="0"/>
+              <a:t>/</a:t>
+            </a:r>
+            <a:r>
+              <a:rPr kumimoji="1" lang="zh-CN" altLang="en-US" b="1" dirty="0"/>
+              <a:t> 无效果</a:t>
+            </a:r>
+            <a:endParaRPr kumimoji="1" lang="en-US" altLang="zh-CN" b="1" dirty="0"/>
+          </a:p>
+          <a:p>
+            <a:endParaRPr kumimoji="1" lang="en-US" altLang="zh-CN" b="1" dirty="0"/>
+          </a:p>
+          <a:p>
+            <a:r>
+              <a:rPr kumimoji="1" lang="zh-CN" altLang="en-US" b="1" dirty="0"/>
+              <a:t>没 </a:t>
+            </a:r>
+            <a:r>
+              <a:rPr kumimoji="1" lang="en-US" altLang="zh-CN" b="1" dirty="0"/>
+              <a:t>A</a:t>
+            </a:r>
+            <a:r>
+              <a:rPr kumimoji="1" lang="zh-CN" altLang="en-US" b="1" dirty="0"/>
+              <a:t> 会更有效果 </a:t>
+            </a:r>
+            <a:r>
+              <a:rPr kumimoji="1" lang="en-US" altLang="zh-CN" b="1" dirty="0"/>
+              <a:t>/</a:t>
+            </a:r>
+            <a:r>
+              <a:rPr kumimoji="1" lang="zh-CN" altLang="en-US" b="1" dirty="0"/>
+              <a:t> 更无效果</a:t>
+            </a:r>
+          </a:p>
+        </p:txBody>
+      </p:sp>
+      <p:sp>
+        <p:nvSpPr>
+          <p:cNvPr id="13" name="文本框 12">
+            <a:extLst>
+              <a:ext uri="{FF2B5EF4-FFF2-40B4-BE49-F238E27FC236}">
+                <a16:creationId xmlns:a16="http://schemas.microsoft.com/office/drawing/2014/main" id="{0A845E7E-019A-29A3-4FE7-F61843217F2C}"/>
+              </a:ext>
+            </a:extLst>
+          </p:cNvPr>
+          <p:cNvSpPr txBox="1"/>
+          <p:nvPr/>
+        </p:nvSpPr>
+        <p:spPr>
+          <a:xfrm>
+            <a:off x="6195874" y="1362999"/>
+            <a:ext cx="1338828" cy="369332"/>
+          </a:xfrm>
+          <a:prstGeom prst="rect">
+            <a:avLst/>
+          </a:prstGeom>
+          <a:noFill/>
+        </p:spPr>
+        <p:txBody>
+          <a:bodyPr wrap="none" rtlCol="0">
+            <a:spAutoFit/>
+          </a:bodyPr>
+          <a:lstStyle/>
+          <a:p>
+            <a:r>
+              <a:rPr kumimoji="1" lang="zh-CN" altLang="en-US" b="1" dirty="0"/>
+              <a:t>不降反升型</a:t>
+            </a:r>
+          </a:p>
+        </p:txBody>
+      </p:sp>
+      <p:sp>
+        <p:nvSpPr>
+          <p:cNvPr id="14" name="文本框 13">
+            <a:extLst>
+              <a:ext uri="{FF2B5EF4-FFF2-40B4-BE49-F238E27FC236}">
+                <a16:creationId xmlns:a16="http://schemas.microsoft.com/office/drawing/2014/main" id="{A1083779-3610-00D8-41D4-FD09C53856A7}"/>
+              </a:ext>
+            </a:extLst>
+          </p:cNvPr>
+          <p:cNvSpPr txBox="1"/>
+          <p:nvPr/>
+        </p:nvSpPr>
+        <p:spPr>
+          <a:xfrm>
+            <a:off x="7534702" y="1086000"/>
+            <a:ext cx="2930610" cy="923330"/>
+          </a:xfrm>
+          <a:prstGeom prst="rect">
+            <a:avLst/>
+          </a:prstGeom>
+          <a:noFill/>
+        </p:spPr>
+        <p:txBody>
+          <a:bodyPr wrap="none" rtlCol="0">
+            <a:spAutoFit/>
+          </a:bodyPr>
+          <a:lstStyle/>
+          <a:p>
+            <a:r>
+              <a:rPr kumimoji="1" lang="zh-CN" altLang="en-US" b="1" dirty="0"/>
+              <a:t>论点出现“****，反而 **”</a:t>
+            </a:r>
+            <a:endParaRPr kumimoji="1" lang="en-US" altLang="zh-CN" b="1" dirty="0"/>
+          </a:p>
+          <a:p>
+            <a:endParaRPr kumimoji="1" lang="en-US" altLang="zh-CN" b="1" dirty="0"/>
+          </a:p>
+          <a:p>
+            <a:r>
+              <a:rPr kumimoji="1" lang="zh-CN" altLang="en-US" b="1" dirty="0"/>
+              <a:t>重点解释反而之后</a:t>
+            </a:r>
+          </a:p>
+        </p:txBody>
+      </p:sp>
+      <p:sp>
+        <p:nvSpPr>
+          <p:cNvPr id="15" name="文本框 14">
+            <a:extLst>
+              <a:ext uri="{FF2B5EF4-FFF2-40B4-BE49-F238E27FC236}">
+                <a16:creationId xmlns:a16="http://schemas.microsoft.com/office/drawing/2014/main" id="{41FE5A2A-A30F-A464-CC41-5511E918FDA3}"/>
+              </a:ext>
+            </a:extLst>
+          </p:cNvPr>
+          <p:cNvSpPr txBox="1"/>
+          <p:nvPr/>
+        </p:nvSpPr>
+        <p:spPr>
+          <a:xfrm>
+            <a:off x="6195874" y="2782506"/>
+            <a:ext cx="1338828" cy="369332"/>
+          </a:xfrm>
+          <a:prstGeom prst="rect">
+            <a:avLst/>
+          </a:prstGeom>
+          <a:noFill/>
+        </p:spPr>
+        <p:txBody>
+          <a:bodyPr wrap="none" rtlCol="0">
+            <a:spAutoFit/>
+          </a:bodyPr>
+          <a:lstStyle/>
+          <a:p>
+            <a:r>
+              <a:rPr kumimoji="1" lang="zh-CN" altLang="en-US" b="1" dirty="0"/>
+              <a:t>对比实验型</a:t>
+            </a:r>
+          </a:p>
+        </p:txBody>
+      </p:sp>
+      <p:sp>
+        <p:nvSpPr>
+          <p:cNvPr id="16" name="文本框 15">
+            <a:extLst>
+              <a:ext uri="{FF2B5EF4-FFF2-40B4-BE49-F238E27FC236}">
+                <a16:creationId xmlns:a16="http://schemas.microsoft.com/office/drawing/2014/main" id="{5D25C2B8-BA3A-E807-55DE-078B7704B194}"/>
+              </a:ext>
+            </a:extLst>
+          </p:cNvPr>
+          <p:cNvSpPr txBox="1"/>
+          <p:nvPr/>
+        </p:nvSpPr>
+        <p:spPr>
+          <a:xfrm>
+            <a:off x="7534702" y="2505507"/>
+            <a:ext cx="3086101" cy="923330"/>
+          </a:xfrm>
+          <a:prstGeom prst="rect">
+            <a:avLst/>
+          </a:prstGeom>
+          <a:noFill/>
+        </p:spPr>
+        <p:txBody>
+          <a:bodyPr wrap="none" rtlCol="0">
+            <a:spAutoFit/>
+          </a:bodyPr>
+          <a:lstStyle/>
+          <a:p>
+            <a:r>
+              <a:rPr kumimoji="1" lang="zh-CN" altLang="en-US" b="1" dirty="0"/>
+              <a:t>加强：实验前对象情况相同</a:t>
+            </a:r>
+            <a:endParaRPr kumimoji="1" lang="en-US" altLang="zh-CN" b="1" dirty="0"/>
+          </a:p>
+          <a:p>
+            <a:endParaRPr kumimoji="1" lang="en-US" altLang="zh-CN" b="1" dirty="0"/>
+          </a:p>
+          <a:p>
+            <a:r>
+              <a:rPr kumimoji="1" lang="zh-CN" altLang="en-US" b="1" dirty="0"/>
+              <a:t>削弱：</a:t>
+            </a:r>
+            <a:r>
+              <a:rPr kumimoji="1" lang="en-US" altLang="zh-CN" b="1" dirty="0"/>
+              <a:t>······························</a:t>
+            </a:r>
+            <a:r>
+              <a:rPr kumimoji="1" lang="zh-CN" altLang="en-US" b="1" dirty="0"/>
+              <a:t> 不同</a:t>
+            </a:r>
+            <a:endParaRPr kumimoji="1" lang="en-US" altLang="zh-CN" b="1" dirty="0"/>
+          </a:p>
+        </p:txBody>
+      </p:sp>
+      <p:sp>
+        <p:nvSpPr>
+          <p:cNvPr id="17" name="文本框 16">
+            <a:extLst>
+              <a:ext uri="{FF2B5EF4-FFF2-40B4-BE49-F238E27FC236}">
+                <a16:creationId xmlns:a16="http://schemas.microsoft.com/office/drawing/2014/main" id="{E03E0B26-85D4-A98E-CD21-E821F7A4E782}"/>
+              </a:ext>
+            </a:extLst>
+          </p:cNvPr>
+          <p:cNvSpPr txBox="1"/>
+          <p:nvPr/>
+        </p:nvSpPr>
+        <p:spPr>
+          <a:xfrm>
+            <a:off x="6195874" y="4152408"/>
+            <a:ext cx="1338828" cy="369332"/>
+          </a:xfrm>
+          <a:prstGeom prst="rect">
+            <a:avLst/>
+          </a:prstGeom>
+          <a:noFill/>
+        </p:spPr>
+        <p:txBody>
+          <a:bodyPr wrap="none" rtlCol="0">
+            <a:spAutoFit/>
+          </a:bodyPr>
+          <a:lstStyle/>
+          <a:p>
+            <a:r>
+              <a:rPr kumimoji="1" lang="zh-CN" altLang="en-US" b="1" dirty="0"/>
+              <a:t>部分整体型</a:t>
+            </a:r>
+          </a:p>
+        </p:txBody>
+      </p:sp>
+      <p:sp>
+        <p:nvSpPr>
+          <p:cNvPr id="18" name="文本框 17">
+            <a:extLst>
+              <a:ext uri="{FF2B5EF4-FFF2-40B4-BE49-F238E27FC236}">
+                <a16:creationId xmlns:a16="http://schemas.microsoft.com/office/drawing/2014/main" id="{B1CE7328-C53B-2F73-E37B-950BBF53FE82}"/>
+              </a:ext>
+            </a:extLst>
+          </p:cNvPr>
+          <p:cNvSpPr txBox="1"/>
+          <p:nvPr/>
+        </p:nvSpPr>
+        <p:spPr>
+          <a:xfrm>
+            <a:off x="7534702" y="3875409"/>
+            <a:ext cx="4320413" cy="923330"/>
+          </a:xfrm>
+          <a:prstGeom prst="rect">
+            <a:avLst/>
+          </a:prstGeom>
+          <a:noFill/>
+        </p:spPr>
+        <p:txBody>
+          <a:bodyPr wrap="none" rtlCol="0">
+            <a:spAutoFit/>
+          </a:bodyPr>
+          <a:lstStyle/>
+          <a:p>
+            <a:r>
+              <a:rPr kumimoji="1" lang="zh-CN" altLang="en-US" b="1" dirty="0"/>
+              <a:t>加强：部分能代表整体 </a:t>
+            </a:r>
+            <a:r>
+              <a:rPr kumimoji="1" lang="en-US" altLang="zh-CN" b="1" dirty="0"/>
+              <a:t>/</a:t>
+            </a:r>
+            <a:r>
+              <a:rPr kumimoji="1" lang="zh-CN" altLang="en-US" b="1" dirty="0"/>
+              <a:t> 其他部分也一样</a:t>
+            </a:r>
+            <a:endParaRPr kumimoji="1" lang="en-US" altLang="zh-CN" b="1" dirty="0"/>
+          </a:p>
+          <a:p>
+            <a:endParaRPr kumimoji="1" lang="en-US" altLang="zh-CN" b="1" dirty="0"/>
+          </a:p>
+          <a:p>
+            <a:r>
+              <a:rPr kumimoji="1" lang="zh-CN" altLang="en-US" b="1" dirty="0"/>
+              <a:t>削弱：部分 </a:t>
+            </a:r>
+            <a:r>
+              <a:rPr kumimoji="1" lang="en-US" altLang="zh-CN" b="1" dirty="0"/>
+              <a:t>≠</a:t>
+            </a:r>
+            <a:r>
+              <a:rPr kumimoji="1" lang="zh-CN" altLang="en-US" b="1" dirty="0"/>
+              <a:t> 整体      </a:t>
+            </a:r>
+            <a:r>
+              <a:rPr kumimoji="1" lang="en-US" altLang="zh-CN" b="1" dirty="0"/>
+              <a:t>/</a:t>
+            </a:r>
+            <a:r>
+              <a:rPr kumimoji="1" lang="zh-CN" altLang="en-US" b="1" dirty="0"/>
+              <a:t> 其他部分不一样</a:t>
+            </a:r>
+          </a:p>
+        </p:txBody>
+      </p:sp>
+      <p:sp>
+        <p:nvSpPr>
+          <p:cNvPr id="19" name="文本框 18">
+            <a:extLst>
+              <a:ext uri="{FF2B5EF4-FFF2-40B4-BE49-F238E27FC236}">
+                <a16:creationId xmlns:a16="http://schemas.microsoft.com/office/drawing/2014/main" id="{C9BE0315-0C06-EC4C-85FE-E483473E0056}"/>
+              </a:ext>
+            </a:extLst>
+          </p:cNvPr>
+          <p:cNvSpPr txBox="1"/>
+          <p:nvPr/>
+        </p:nvSpPr>
+        <p:spPr>
+          <a:xfrm>
+            <a:off x="6195874" y="4797777"/>
+            <a:ext cx="5426092" cy="369332"/>
+          </a:xfrm>
+          <a:prstGeom prst="rect">
+            <a:avLst/>
+          </a:prstGeom>
+          <a:noFill/>
+        </p:spPr>
+        <p:txBody>
+          <a:bodyPr wrap="square" rtlCol="0">
+            <a:spAutoFit/>
+          </a:bodyPr>
+          <a:lstStyle/>
+          <a:p>
+            <a:r>
+              <a:rPr kumimoji="1" lang="zh-CN" altLang="en-US" b="1" dirty="0">
+                <a:solidFill>
+                  <a:srgbClr val="FF0000"/>
+                </a:solidFill>
+              </a:rPr>
+              <a:t>（论据为部分，如美国；论点为整体，如世界）</a:t>
+            </a:r>
+          </a:p>
+        </p:txBody>
+      </p:sp>
+    </p:spTree>
+    <p:extLst>
+      <p:ext uri="{BB962C8B-B14F-4D97-AF65-F5344CB8AC3E}">
+        <p14:creationId xmlns:p14="http://schemas.microsoft.com/office/powerpoint/2010/main" val="1698283606"/>
+      </p:ext>
+    </p:extLst>
+  </p:cSld>
+  <p:clrMapOvr>
+    <a:masterClrMapping/>
+  </p:clrMapOvr>
+</p:sld>
+</file>
+
+<file path=ppt/slides/slide5.xml><?xml version="1.0" encoding="utf-8"?>
+<p:sld xmlns:a="http://schemas.openxmlformats.org/drawingml/2006/main" xmlns:r="http://schemas.openxmlformats.org/officeDocument/2006/relationships" xmlns:p="http://schemas.openxmlformats.org/presentationml/2006/main">
+  <p:cSld>
+    <p:spTree>
+      <p:nvGrpSpPr>
+        <p:cNvPr id="1" name=""/>
+        <p:cNvGrpSpPr/>
+        <p:nvPr/>
+      </p:nvGrpSpPr>
+      <p:grpSpPr>
+        <a:xfrm>
+          <a:off x="0" y="0"/>
+          <a:ext cx="0" cy="0"/>
+          <a:chOff x="0" y="0"/>
+          <a:chExt cx="0" cy="0"/>
+        </a:xfrm>
+      </p:grpSpPr>
+      <p:sp>
+        <p:nvSpPr>
+          <p:cNvPr id="5" name="文本框 4">
+            <a:extLst>
+              <a:ext uri="{FF2B5EF4-FFF2-40B4-BE49-F238E27FC236}">
+                <a16:creationId xmlns:a16="http://schemas.microsoft.com/office/drawing/2014/main" id="{C1CA4DC0-EF72-88B5-7B88-58E9B0FD2C95}"/>
+              </a:ext>
+            </a:extLst>
+          </p:cNvPr>
+          <p:cNvSpPr txBox="1"/>
+          <p:nvPr/>
+        </p:nvSpPr>
+        <p:spPr>
+          <a:xfrm>
+            <a:off x="336885" y="327259"/>
+            <a:ext cx="2236510" cy="461665"/>
+          </a:xfrm>
+          <a:prstGeom prst="rect">
+            <a:avLst/>
+          </a:prstGeom>
+          <a:noFill/>
+        </p:spPr>
+        <p:txBody>
+          <a:bodyPr wrap="none" rtlCol="0">
+            <a:spAutoFit/>
+          </a:bodyPr>
+          <a:lstStyle/>
+          <a:p>
+            <a:r>
+              <a:rPr kumimoji="1" lang="zh-CN" altLang="en-US" sz="2400" b="1" dirty="0"/>
               <a:t>加强削弱</a:t>
             </a:r>
+            <a:r>
+              <a:rPr kumimoji="1" lang="en-US" altLang="zh-CN" sz="2400" b="1" dirty="0"/>
+              <a:t>(</a:t>
+            </a:r>
+            <a:r>
+              <a:rPr kumimoji="1" lang="zh-CN" altLang="en-US" sz="2400" b="1" dirty="0"/>
+              <a:t>进阶</a:t>
+            </a:r>
+            <a:r>
+              <a:rPr kumimoji="1" lang="en-US" altLang="zh-CN" sz="2400" b="1" dirty="0"/>
+              <a:t>)</a:t>
+            </a:r>
+            <a:endParaRPr kumimoji="1" lang="zh-CN" altLang="en-US" sz="2400" b="1" dirty="0"/>
           </a:p>
         </p:txBody>
       </p:sp>

--- a/事业编备考/判断推理/判断推理.pptx
+++ b/事业编备考/判断推理/判断推理.pptx
@@ -4,12 +4,16 @@
   <p:sldMasterIdLst>
     <p:sldMasterId id="2147483648" r:id="rId1"/>
   </p:sldMasterIdLst>
+  <p:notesMasterIdLst>
+    <p:notesMasterId r:id="rId8"/>
+  </p:notesMasterIdLst>
   <p:sldIdLst>
     <p:sldId id="257" r:id="rId2"/>
     <p:sldId id="258" r:id="rId3"/>
     <p:sldId id="259" r:id="rId4"/>
-    <p:sldId id="260" r:id="rId5"/>
-    <p:sldId id="256" r:id="rId6"/>
+    <p:sldId id="261" r:id="rId5"/>
+    <p:sldId id="260" r:id="rId6"/>
+    <p:sldId id="256" r:id="rId7"/>
   </p:sldIdLst>
   <p:sldSz cx="12192000" cy="6858000"/>
   <p:notesSz cx="6858000" cy="9144000"/>
@@ -116,6 +120,439 @@
 </p:presentation>
 </file>
 
+<file path=ppt/notesMasters/notesMaster1.xml><?xml version="1.0" encoding="utf-8"?>
+<p:notesMaster xmlns:a="http://schemas.openxmlformats.org/drawingml/2006/main" xmlns:r="http://schemas.openxmlformats.org/officeDocument/2006/relationships" xmlns:p="http://schemas.openxmlformats.org/presentationml/2006/main">
+  <p:cSld>
+    <p:bg>
+      <p:bgRef idx="1001">
+        <a:schemeClr val="bg1"/>
+      </p:bgRef>
+    </p:bg>
+    <p:spTree>
+      <p:nvGrpSpPr>
+        <p:cNvPr id="1" name=""/>
+        <p:cNvGrpSpPr/>
+        <p:nvPr/>
+      </p:nvGrpSpPr>
+      <p:grpSpPr>
+        <a:xfrm>
+          <a:off x="0" y="0"/>
+          <a:ext cx="0" cy="0"/>
+          <a:chOff x="0" y="0"/>
+          <a:chExt cx="0" cy="0"/>
+        </a:xfrm>
+      </p:grpSpPr>
+      <p:sp>
+        <p:nvSpPr>
+          <p:cNvPr id="2" name="页眉占位符 1"/>
+          <p:cNvSpPr>
+            <a:spLocks noGrp="1"/>
+          </p:cNvSpPr>
+          <p:nvPr>
+            <p:ph type="hdr" sz="quarter"/>
+          </p:nvPr>
+        </p:nvSpPr>
+        <p:spPr>
+          <a:xfrm>
+            <a:off x="0" y="0"/>
+            <a:ext cx="2971800" cy="458788"/>
+          </a:xfrm>
+          <a:prstGeom prst="rect">
+            <a:avLst/>
+          </a:prstGeom>
+        </p:spPr>
+        <p:txBody>
+          <a:bodyPr vert="horz" lIns="91440" tIns="45720" rIns="91440" bIns="45720" rtlCol="0"/>
+          <a:lstStyle>
+            <a:lvl1pPr algn="l">
+              <a:defRPr sz="1200"/>
+            </a:lvl1pPr>
+          </a:lstStyle>
+          <a:p>
+            <a:endParaRPr kumimoji="1" lang="zh-CN" altLang="en-US"/>
+          </a:p>
+        </p:txBody>
+      </p:sp>
+      <p:sp>
+        <p:nvSpPr>
+          <p:cNvPr id="3" name="日期占位符 2"/>
+          <p:cNvSpPr>
+            <a:spLocks noGrp="1"/>
+          </p:cNvSpPr>
+          <p:nvPr>
+            <p:ph type="dt" idx="1"/>
+          </p:nvPr>
+        </p:nvSpPr>
+        <p:spPr>
+          <a:xfrm>
+            <a:off x="3884613" y="0"/>
+            <a:ext cx="2971800" cy="458788"/>
+          </a:xfrm>
+          <a:prstGeom prst="rect">
+            <a:avLst/>
+          </a:prstGeom>
+        </p:spPr>
+        <p:txBody>
+          <a:bodyPr vert="horz" lIns="91440" tIns="45720" rIns="91440" bIns="45720" rtlCol="0"/>
+          <a:lstStyle>
+            <a:lvl1pPr algn="r">
+              <a:defRPr sz="1200"/>
+            </a:lvl1pPr>
+          </a:lstStyle>
+          <a:p>
+            <a:fld id="{D08A2399-7EE3-C742-8BEC-65455010FB7B}" type="datetimeFigureOut">
+              <a:rPr kumimoji="1" lang="zh-CN" altLang="en-US" smtClean="0"/>
+              <a:t>2022/10/1</a:t>
+            </a:fld>
+            <a:endParaRPr kumimoji="1" lang="zh-CN" altLang="en-US"/>
+          </a:p>
+        </p:txBody>
+      </p:sp>
+      <p:sp>
+        <p:nvSpPr>
+          <p:cNvPr id="4" name="幻灯片图像占位符 3"/>
+          <p:cNvSpPr>
+            <a:spLocks noGrp="1" noRot="1" noChangeAspect="1"/>
+          </p:cNvSpPr>
+          <p:nvPr>
+            <p:ph type="sldImg" idx="2"/>
+          </p:nvPr>
+        </p:nvSpPr>
+        <p:spPr>
+          <a:xfrm>
+            <a:off x="685800" y="1143000"/>
+            <a:ext cx="5486400" cy="3086100"/>
+          </a:xfrm>
+          <a:prstGeom prst="rect">
+            <a:avLst/>
+          </a:prstGeom>
+          <a:noFill/>
+          <a:ln w="12700">
+            <a:solidFill>
+              <a:prstClr val="black"/>
+            </a:solidFill>
+          </a:ln>
+        </p:spPr>
+        <p:txBody>
+          <a:bodyPr vert="horz" lIns="91440" tIns="45720" rIns="91440" bIns="45720" rtlCol="0" anchor="ctr"/>
+          <a:lstStyle/>
+          <a:p>
+            <a:endParaRPr lang="zh-CN" altLang="en-US"/>
+          </a:p>
+        </p:txBody>
+      </p:sp>
+      <p:sp>
+        <p:nvSpPr>
+          <p:cNvPr id="5" name="备注占位符 4"/>
+          <p:cNvSpPr>
+            <a:spLocks noGrp="1"/>
+          </p:cNvSpPr>
+          <p:nvPr>
+            <p:ph type="body" sz="quarter" idx="3"/>
+          </p:nvPr>
+        </p:nvSpPr>
+        <p:spPr>
+          <a:xfrm>
+            <a:off x="685800" y="4400550"/>
+            <a:ext cx="5486400" cy="3600450"/>
+          </a:xfrm>
+          <a:prstGeom prst="rect">
+            <a:avLst/>
+          </a:prstGeom>
+        </p:spPr>
+        <p:txBody>
+          <a:bodyPr vert="horz" lIns="91440" tIns="45720" rIns="91440" bIns="45720" rtlCol="0"/>
+          <a:lstStyle/>
+          <a:p>
+            <a:pPr lvl="0"/>
+            <a:r>
+              <a:rPr kumimoji="1" lang="zh-CN" altLang="en-US"/>
+              <a:t>单击此处编辑母版文本样式</a:t>
+            </a:r>
+          </a:p>
+          <a:p>
+            <a:pPr lvl="1"/>
+            <a:r>
+              <a:rPr kumimoji="1" lang="zh-CN" altLang="en-US"/>
+              <a:t>二级</a:t>
+            </a:r>
+          </a:p>
+          <a:p>
+            <a:pPr lvl="2"/>
+            <a:r>
+              <a:rPr kumimoji="1" lang="zh-CN" altLang="en-US"/>
+              <a:t>三级</a:t>
+            </a:r>
+          </a:p>
+          <a:p>
+            <a:pPr lvl="3"/>
+            <a:r>
+              <a:rPr kumimoji="1" lang="zh-CN" altLang="en-US"/>
+              <a:t>四级</a:t>
+            </a:r>
+          </a:p>
+          <a:p>
+            <a:pPr lvl="4"/>
+            <a:r>
+              <a:rPr kumimoji="1" lang="zh-CN" altLang="en-US"/>
+              <a:t>五级</a:t>
+            </a:r>
+          </a:p>
+        </p:txBody>
+      </p:sp>
+      <p:sp>
+        <p:nvSpPr>
+          <p:cNvPr id="6" name="页脚占位符 5"/>
+          <p:cNvSpPr>
+            <a:spLocks noGrp="1"/>
+          </p:cNvSpPr>
+          <p:nvPr>
+            <p:ph type="ftr" sz="quarter" idx="4"/>
+          </p:nvPr>
+        </p:nvSpPr>
+        <p:spPr>
+          <a:xfrm>
+            <a:off x="0" y="8685213"/>
+            <a:ext cx="2971800" cy="458787"/>
+          </a:xfrm>
+          <a:prstGeom prst="rect">
+            <a:avLst/>
+          </a:prstGeom>
+        </p:spPr>
+        <p:txBody>
+          <a:bodyPr vert="horz" lIns="91440" tIns="45720" rIns="91440" bIns="45720" rtlCol="0" anchor="b"/>
+          <a:lstStyle>
+            <a:lvl1pPr algn="l">
+              <a:defRPr sz="1200"/>
+            </a:lvl1pPr>
+          </a:lstStyle>
+          <a:p>
+            <a:endParaRPr kumimoji="1" lang="zh-CN" altLang="en-US"/>
+          </a:p>
+        </p:txBody>
+      </p:sp>
+      <p:sp>
+        <p:nvSpPr>
+          <p:cNvPr id="7" name="灯片编号占位符 6"/>
+          <p:cNvSpPr>
+            <a:spLocks noGrp="1"/>
+          </p:cNvSpPr>
+          <p:nvPr>
+            <p:ph type="sldNum" sz="quarter" idx="5"/>
+          </p:nvPr>
+        </p:nvSpPr>
+        <p:spPr>
+          <a:xfrm>
+            <a:off x="3884613" y="8685213"/>
+            <a:ext cx="2971800" cy="458787"/>
+          </a:xfrm>
+          <a:prstGeom prst="rect">
+            <a:avLst/>
+          </a:prstGeom>
+        </p:spPr>
+        <p:txBody>
+          <a:bodyPr vert="horz" lIns="91440" tIns="45720" rIns="91440" bIns="45720" rtlCol="0" anchor="b"/>
+          <a:lstStyle>
+            <a:lvl1pPr algn="r">
+              <a:defRPr sz="1200"/>
+            </a:lvl1pPr>
+          </a:lstStyle>
+          <a:p>
+            <a:fld id="{F593FF9D-52C1-404E-8527-2CFC53546BFE}" type="slidenum">
+              <a:rPr kumimoji="1" lang="zh-CN" altLang="en-US" smtClean="0"/>
+              <a:t>‹#›</a:t>
+            </a:fld>
+            <a:endParaRPr kumimoji="1" lang="zh-CN" altLang="en-US"/>
+          </a:p>
+        </p:txBody>
+      </p:sp>
+    </p:spTree>
+    <p:extLst>
+      <p:ext uri="{BB962C8B-B14F-4D97-AF65-F5344CB8AC3E}">
+        <p14:creationId xmlns:p14="http://schemas.microsoft.com/office/powerpoint/2010/main" val="2780954799"/>
+      </p:ext>
+    </p:extLst>
+  </p:cSld>
+  <p:clrMap bg1="lt1" tx1="dk1" bg2="lt2" tx2="dk2" accent1="accent1" accent2="accent2" accent3="accent3" accent4="accent4" accent5="accent5" accent6="accent6" hlink="hlink" folHlink="folHlink"/>
+  <p:notesStyle>
+    <a:lvl1pPr marL="0" algn="l" defTabSz="914400" rtl="0" eaLnBrk="1" latinLnBrk="0" hangingPunct="1">
+      <a:defRPr sz="1200" kern="1200">
+        <a:solidFill>
+          <a:schemeClr val="tx1"/>
+        </a:solidFill>
+        <a:latin typeface="+mn-lt"/>
+        <a:ea typeface="+mn-ea"/>
+        <a:cs typeface="+mn-cs"/>
+      </a:defRPr>
+    </a:lvl1pPr>
+    <a:lvl2pPr marL="457200" algn="l" defTabSz="914400" rtl="0" eaLnBrk="1" latinLnBrk="0" hangingPunct="1">
+      <a:defRPr sz="1200" kern="1200">
+        <a:solidFill>
+          <a:schemeClr val="tx1"/>
+        </a:solidFill>
+        <a:latin typeface="+mn-lt"/>
+        <a:ea typeface="+mn-ea"/>
+        <a:cs typeface="+mn-cs"/>
+      </a:defRPr>
+    </a:lvl2pPr>
+    <a:lvl3pPr marL="914400" algn="l" defTabSz="914400" rtl="0" eaLnBrk="1" latinLnBrk="0" hangingPunct="1">
+      <a:defRPr sz="1200" kern="1200">
+        <a:solidFill>
+          <a:schemeClr val="tx1"/>
+        </a:solidFill>
+        <a:latin typeface="+mn-lt"/>
+        <a:ea typeface="+mn-ea"/>
+        <a:cs typeface="+mn-cs"/>
+      </a:defRPr>
+    </a:lvl3pPr>
+    <a:lvl4pPr marL="1371600" algn="l" defTabSz="914400" rtl="0" eaLnBrk="1" latinLnBrk="0" hangingPunct="1">
+      <a:defRPr sz="1200" kern="1200">
+        <a:solidFill>
+          <a:schemeClr val="tx1"/>
+        </a:solidFill>
+        <a:latin typeface="+mn-lt"/>
+        <a:ea typeface="+mn-ea"/>
+        <a:cs typeface="+mn-cs"/>
+      </a:defRPr>
+    </a:lvl4pPr>
+    <a:lvl5pPr marL="1828800" algn="l" defTabSz="914400" rtl="0" eaLnBrk="1" latinLnBrk="0" hangingPunct="1">
+      <a:defRPr sz="1200" kern="1200">
+        <a:solidFill>
+          <a:schemeClr val="tx1"/>
+        </a:solidFill>
+        <a:latin typeface="+mn-lt"/>
+        <a:ea typeface="+mn-ea"/>
+        <a:cs typeface="+mn-cs"/>
+      </a:defRPr>
+    </a:lvl5pPr>
+    <a:lvl6pPr marL="2286000" algn="l" defTabSz="914400" rtl="0" eaLnBrk="1" latinLnBrk="0" hangingPunct="1">
+      <a:defRPr sz="1200" kern="1200">
+        <a:solidFill>
+          <a:schemeClr val="tx1"/>
+        </a:solidFill>
+        <a:latin typeface="+mn-lt"/>
+        <a:ea typeface="+mn-ea"/>
+        <a:cs typeface="+mn-cs"/>
+      </a:defRPr>
+    </a:lvl6pPr>
+    <a:lvl7pPr marL="2743200" algn="l" defTabSz="914400" rtl="0" eaLnBrk="1" latinLnBrk="0" hangingPunct="1">
+      <a:defRPr sz="1200" kern="1200">
+        <a:solidFill>
+          <a:schemeClr val="tx1"/>
+        </a:solidFill>
+        <a:latin typeface="+mn-lt"/>
+        <a:ea typeface="+mn-ea"/>
+        <a:cs typeface="+mn-cs"/>
+      </a:defRPr>
+    </a:lvl7pPr>
+    <a:lvl8pPr marL="3200400" algn="l" defTabSz="914400" rtl="0" eaLnBrk="1" latinLnBrk="0" hangingPunct="1">
+      <a:defRPr sz="1200" kern="1200">
+        <a:solidFill>
+          <a:schemeClr val="tx1"/>
+        </a:solidFill>
+        <a:latin typeface="+mn-lt"/>
+        <a:ea typeface="+mn-ea"/>
+        <a:cs typeface="+mn-cs"/>
+      </a:defRPr>
+    </a:lvl8pPr>
+    <a:lvl9pPr marL="3657600" algn="l" defTabSz="914400" rtl="0" eaLnBrk="1" latinLnBrk="0" hangingPunct="1">
+      <a:defRPr sz="1200" kern="1200">
+        <a:solidFill>
+          <a:schemeClr val="tx1"/>
+        </a:solidFill>
+        <a:latin typeface="+mn-lt"/>
+        <a:ea typeface="+mn-ea"/>
+        <a:cs typeface="+mn-cs"/>
+      </a:defRPr>
+    </a:lvl9pPr>
+  </p:notesStyle>
+</p:notesMaster>
+</file>
+
+<file path=ppt/notesSlides/notesSlide1.xml><?xml version="1.0" encoding="utf-8"?>
+<p:notes xmlns:a="http://schemas.openxmlformats.org/drawingml/2006/main" xmlns:r="http://schemas.openxmlformats.org/officeDocument/2006/relationships" xmlns:p="http://schemas.openxmlformats.org/presentationml/2006/main">
+  <p:cSld>
+    <p:spTree>
+      <p:nvGrpSpPr>
+        <p:cNvPr id="1" name=""/>
+        <p:cNvGrpSpPr/>
+        <p:nvPr/>
+      </p:nvGrpSpPr>
+      <p:grpSpPr>
+        <a:xfrm>
+          <a:off x="0" y="0"/>
+          <a:ext cx="0" cy="0"/>
+          <a:chOff x="0" y="0"/>
+          <a:chExt cx="0" cy="0"/>
+        </a:xfrm>
+      </p:grpSpPr>
+      <p:sp>
+        <p:nvSpPr>
+          <p:cNvPr id="2" name="幻灯片图像占位符 1"/>
+          <p:cNvSpPr>
+            <a:spLocks noGrp="1" noRot="1" noChangeAspect="1"/>
+          </p:cNvSpPr>
+          <p:nvPr>
+            <p:ph type="sldImg"/>
+          </p:nvPr>
+        </p:nvSpPr>
+        <p:spPr/>
+      </p:sp>
+      <p:sp>
+        <p:nvSpPr>
+          <p:cNvPr id="3" name="备注占位符 2"/>
+          <p:cNvSpPr>
+            <a:spLocks noGrp="1"/>
+          </p:cNvSpPr>
+          <p:nvPr>
+            <p:ph type="body" idx="1"/>
+          </p:nvPr>
+        </p:nvSpPr>
+        <p:spPr/>
+        <p:txBody>
+          <a:bodyPr/>
+          <a:lstStyle/>
+          <a:p>
+            <a:endParaRPr kumimoji="1" lang="zh-CN" altLang="en-US" dirty="0"/>
+          </a:p>
+        </p:txBody>
+      </p:sp>
+      <p:sp>
+        <p:nvSpPr>
+          <p:cNvPr id="4" name="灯片编号占位符 3"/>
+          <p:cNvSpPr>
+            <a:spLocks noGrp="1"/>
+          </p:cNvSpPr>
+          <p:nvPr>
+            <p:ph type="sldNum" sz="quarter" idx="5"/>
+          </p:nvPr>
+        </p:nvSpPr>
+        <p:spPr/>
+        <p:txBody>
+          <a:bodyPr/>
+          <a:lstStyle/>
+          <a:p>
+            <a:fld id="{F593FF9D-52C1-404E-8527-2CFC53546BFE}" type="slidenum">
+              <a:rPr kumimoji="1" lang="zh-CN" altLang="en-US" smtClean="0"/>
+              <a:t>3</a:t>
+            </a:fld>
+            <a:endParaRPr kumimoji="1" lang="zh-CN" altLang="en-US"/>
+          </a:p>
+        </p:txBody>
+      </p:sp>
+    </p:spTree>
+    <p:extLst>
+      <p:ext uri="{BB962C8B-B14F-4D97-AF65-F5344CB8AC3E}">
+        <p14:creationId xmlns:p14="http://schemas.microsoft.com/office/powerpoint/2010/main" val="585940035"/>
+      </p:ext>
+    </p:extLst>
+  </p:cSld>
+  <p:clrMapOvr>
+    <a:masterClrMapping/>
+  </p:clrMapOvr>
+</p:notes>
+</file>
+
 <file path=ppt/slideLayouts/slideLayout1.xml><?xml version="1.0" encoding="utf-8"?>
 <p:sldLayout xmlns:a="http://schemas.openxmlformats.org/drawingml/2006/main" xmlns:r="http://schemas.openxmlformats.org/officeDocument/2006/relationships" xmlns:p="http://schemas.openxmlformats.org/presentationml/2006/main" type="title" preserve="1">
   <p:cSld name="标题幻灯片">
@@ -263,7 +700,7 @@
           <a:p>
             <a:fld id="{2EEEAFF2-312D-AC4C-B48A-5A13BF469FB7}" type="datetimeFigureOut">
               <a:rPr kumimoji="1" lang="zh-CN" altLang="en-US" smtClean="0"/>
-              <a:t>2022/9/30</a:t>
+              <a:t>2022/10/1</a:t>
             </a:fld>
             <a:endParaRPr kumimoji="1" lang="zh-CN" altLang="en-US"/>
           </a:p>
@@ -461,7 +898,7 @@
           <a:p>
             <a:fld id="{2EEEAFF2-312D-AC4C-B48A-5A13BF469FB7}" type="datetimeFigureOut">
               <a:rPr kumimoji="1" lang="zh-CN" altLang="en-US" smtClean="0"/>
-              <a:t>2022/9/30</a:t>
+              <a:t>2022/10/1</a:t>
             </a:fld>
             <a:endParaRPr kumimoji="1" lang="zh-CN" altLang="en-US"/>
           </a:p>
@@ -669,7 +1106,7 @@
           <a:p>
             <a:fld id="{2EEEAFF2-312D-AC4C-B48A-5A13BF469FB7}" type="datetimeFigureOut">
               <a:rPr kumimoji="1" lang="zh-CN" altLang="en-US" smtClean="0"/>
-              <a:t>2022/9/30</a:t>
+              <a:t>2022/10/1</a:t>
             </a:fld>
             <a:endParaRPr kumimoji="1" lang="zh-CN" altLang="en-US"/>
           </a:p>
@@ -867,7 +1304,7 @@
           <a:p>
             <a:fld id="{2EEEAFF2-312D-AC4C-B48A-5A13BF469FB7}" type="datetimeFigureOut">
               <a:rPr kumimoji="1" lang="zh-CN" altLang="en-US" smtClean="0"/>
-              <a:t>2022/9/30</a:t>
+              <a:t>2022/10/1</a:t>
             </a:fld>
             <a:endParaRPr kumimoji="1" lang="zh-CN" altLang="en-US"/>
           </a:p>
@@ -1142,7 +1579,7 @@
           <a:p>
             <a:fld id="{2EEEAFF2-312D-AC4C-B48A-5A13BF469FB7}" type="datetimeFigureOut">
               <a:rPr kumimoji="1" lang="zh-CN" altLang="en-US" smtClean="0"/>
-              <a:t>2022/9/30</a:t>
+              <a:t>2022/10/1</a:t>
             </a:fld>
             <a:endParaRPr kumimoji="1" lang="zh-CN" altLang="en-US"/>
           </a:p>
@@ -1407,7 +1844,7 @@
           <a:p>
             <a:fld id="{2EEEAFF2-312D-AC4C-B48A-5A13BF469FB7}" type="datetimeFigureOut">
               <a:rPr kumimoji="1" lang="zh-CN" altLang="en-US" smtClean="0"/>
-              <a:t>2022/9/30</a:t>
+              <a:t>2022/10/1</a:t>
             </a:fld>
             <a:endParaRPr kumimoji="1" lang="zh-CN" altLang="en-US"/>
           </a:p>
@@ -1819,7 +2256,7 @@
           <a:p>
             <a:fld id="{2EEEAFF2-312D-AC4C-B48A-5A13BF469FB7}" type="datetimeFigureOut">
               <a:rPr kumimoji="1" lang="zh-CN" altLang="en-US" smtClean="0"/>
-              <a:t>2022/9/30</a:t>
+              <a:t>2022/10/1</a:t>
             </a:fld>
             <a:endParaRPr kumimoji="1" lang="zh-CN" altLang="en-US"/>
           </a:p>
@@ -1960,7 +2397,7 @@
           <a:p>
             <a:fld id="{2EEEAFF2-312D-AC4C-B48A-5A13BF469FB7}" type="datetimeFigureOut">
               <a:rPr kumimoji="1" lang="zh-CN" altLang="en-US" smtClean="0"/>
-              <a:t>2022/9/30</a:t>
+              <a:t>2022/10/1</a:t>
             </a:fld>
             <a:endParaRPr kumimoji="1" lang="zh-CN" altLang="en-US"/>
           </a:p>
@@ -2073,7 +2510,7 @@
           <a:p>
             <a:fld id="{2EEEAFF2-312D-AC4C-B48A-5A13BF469FB7}" type="datetimeFigureOut">
               <a:rPr kumimoji="1" lang="zh-CN" altLang="en-US" smtClean="0"/>
-              <a:t>2022/9/30</a:t>
+              <a:t>2022/10/1</a:t>
             </a:fld>
             <a:endParaRPr kumimoji="1" lang="zh-CN" altLang="en-US"/>
           </a:p>
@@ -2384,7 +2821,7 @@
           <a:p>
             <a:fld id="{2EEEAFF2-312D-AC4C-B48A-5A13BF469FB7}" type="datetimeFigureOut">
               <a:rPr kumimoji="1" lang="zh-CN" altLang="en-US" smtClean="0"/>
-              <a:t>2022/9/30</a:t>
+              <a:t>2022/10/1</a:t>
             </a:fld>
             <a:endParaRPr kumimoji="1" lang="zh-CN" altLang="en-US"/>
           </a:p>
@@ -2672,7 +3109,7 @@
           <a:p>
             <a:fld id="{2EEEAFF2-312D-AC4C-B48A-5A13BF469FB7}" type="datetimeFigureOut">
               <a:rPr kumimoji="1" lang="zh-CN" altLang="en-US" smtClean="0"/>
-              <a:t>2022/9/30</a:t>
+              <a:t>2022/10/1</a:t>
             </a:fld>
             <a:endParaRPr kumimoji="1" lang="zh-CN" altLang="en-US"/>
           </a:p>
@@ -2913,7 +3350,7 @@
           <a:p>
             <a:fld id="{2EEEAFF2-312D-AC4C-B48A-5A13BF469FB7}" type="datetimeFigureOut">
               <a:rPr kumimoji="1" lang="zh-CN" altLang="en-US" smtClean="0"/>
-              <a:t>2022/9/30</a:t>
+              <a:t>2022/10/1</a:t>
             </a:fld>
             <a:endParaRPr kumimoji="1" lang="zh-CN" altLang="en-US"/>
           </a:p>
@@ -3873,7 +4310,7 @@
           <p:nvPr/>
         </p:nvPicPr>
         <p:blipFill>
-          <a:blip r:embed="rId2"/>
+          <a:blip r:embed="rId3"/>
           <a:stretch>
             <a:fillRect/>
           </a:stretch>
@@ -3903,7 +4340,7 @@
         <p:spPr>
           <a:xfrm>
             <a:off x="336885" y="327259"/>
-            <a:ext cx="800219" cy="461665"/>
+            <a:ext cx="2954655" cy="461665"/>
           </a:xfrm>
           <a:prstGeom prst="rect">
             <a:avLst/>
@@ -3918,7 +4355,7 @@
           <a:p>
             <a:r>
               <a:rPr kumimoji="1" lang="zh-CN" altLang="en-US" sz="2400" b="1" dirty="0"/>
-              <a:t>加强</a:t>
+              <a:t>增强削弱（原理）：</a:t>
             </a:r>
           </a:p>
         </p:txBody>
@@ -4365,6 +4802,615 @@
           <p:cNvPr id="4" name="文本框 3">
             <a:extLst>
               <a:ext uri="{FF2B5EF4-FFF2-40B4-BE49-F238E27FC236}">
+                <a16:creationId xmlns:a16="http://schemas.microsoft.com/office/drawing/2014/main" id="{E321A412-668E-ECBD-6650-1E0F6F5D67BF}"/>
+              </a:ext>
+            </a:extLst>
+          </p:cNvPr>
+          <p:cNvSpPr txBox="1"/>
+          <p:nvPr/>
+        </p:nvSpPr>
+        <p:spPr>
+          <a:xfrm>
+            <a:off x="336885" y="327259"/>
+            <a:ext cx="3262432" cy="461665"/>
+          </a:xfrm>
+          <a:prstGeom prst="rect">
+            <a:avLst/>
+          </a:prstGeom>
+          <a:noFill/>
+        </p:spPr>
+        <p:txBody>
+          <a:bodyPr wrap="none" rtlCol="0">
+            <a:spAutoFit/>
+          </a:bodyPr>
+          <a:lstStyle/>
+          <a:p>
+            <a:r>
+              <a:rPr kumimoji="1" lang="zh-CN" altLang="en-US" sz="2400" b="1" dirty="0"/>
+              <a:t>加强（由强到弱排序）</a:t>
+            </a:r>
+          </a:p>
+        </p:txBody>
+      </p:sp>
+      <p:sp>
+        <p:nvSpPr>
+          <p:cNvPr id="5" name="文本框 4">
+            <a:extLst>
+              <a:ext uri="{FF2B5EF4-FFF2-40B4-BE49-F238E27FC236}">
+                <a16:creationId xmlns:a16="http://schemas.microsoft.com/office/drawing/2014/main" id="{441F1ED1-FFC1-CA1A-9139-C1344BC8B109}"/>
+              </a:ext>
+            </a:extLst>
+          </p:cNvPr>
+          <p:cNvSpPr txBox="1"/>
+          <p:nvPr/>
+        </p:nvSpPr>
+        <p:spPr>
+          <a:xfrm>
+            <a:off x="336885" y="991075"/>
+            <a:ext cx="1324402" cy="338554"/>
+          </a:xfrm>
+          <a:prstGeom prst="rect">
+            <a:avLst/>
+          </a:prstGeom>
+          <a:noFill/>
+        </p:spPr>
+        <p:txBody>
+          <a:bodyPr wrap="none" rtlCol="0">
+            <a:spAutoFit/>
+          </a:bodyPr>
+          <a:lstStyle/>
+          <a:p>
+            <a:r>
+              <a:rPr kumimoji="1" lang="en-US" altLang="zh-CN" sz="1600" b="1" dirty="0"/>
+              <a:t>1</a:t>
+            </a:r>
+            <a:r>
+              <a:rPr kumimoji="1" lang="zh-CN" altLang="en-US" sz="1600" b="1" dirty="0"/>
+              <a:t>、肯定假设</a:t>
+            </a:r>
+          </a:p>
+        </p:txBody>
+      </p:sp>
+      <p:sp>
+        <p:nvSpPr>
+          <p:cNvPr id="6" name="文本框 5">
+            <a:extLst>
+              <a:ext uri="{FF2B5EF4-FFF2-40B4-BE49-F238E27FC236}">
+                <a16:creationId xmlns:a16="http://schemas.microsoft.com/office/drawing/2014/main" id="{259D52E9-68DB-CBBB-FB67-C323A05F1DF4}"/>
+              </a:ext>
+            </a:extLst>
+          </p:cNvPr>
+          <p:cNvSpPr txBox="1"/>
+          <p:nvPr/>
+        </p:nvSpPr>
+        <p:spPr>
+          <a:xfrm>
+            <a:off x="661365" y="1489131"/>
+            <a:ext cx="3496470" cy="1569660"/>
+          </a:xfrm>
+          <a:prstGeom prst="rect">
+            <a:avLst/>
+          </a:prstGeom>
+          <a:noFill/>
+        </p:spPr>
+        <p:txBody>
+          <a:bodyPr wrap="none" rtlCol="0">
+            <a:spAutoFit/>
+          </a:bodyPr>
+          <a:lstStyle/>
+          <a:p>
+            <a:r>
+              <a:rPr kumimoji="1" lang="zh-CN" altLang="en-US" sz="1600" b="1" dirty="0"/>
+              <a:t>论证结构：组合式</a:t>
+            </a:r>
+            <a:endParaRPr kumimoji="1" lang="en-US" altLang="zh-CN" sz="1600" b="1" dirty="0"/>
+          </a:p>
+          <a:p>
+            <a:endParaRPr kumimoji="1" lang="en-US" altLang="zh-CN" sz="1600" b="1" dirty="0"/>
+          </a:p>
+          <a:p>
+            <a:r>
+              <a:rPr kumimoji="1" lang="zh-CN" altLang="en-US" sz="1600" b="1" dirty="0"/>
+              <a:t>举例：</a:t>
+            </a:r>
+            <a:endParaRPr kumimoji="1" lang="en-US" altLang="zh-CN" sz="1600" b="1" dirty="0"/>
+          </a:p>
+          <a:p>
+            <a:r>
+              <a:rPr kumimoji="1" lang="en-US" altLang="zh-CN" sz="1600" b="1" dirty="0"/>
+              <a:t>P1</a:t>
+            </a:r>
+            <a:r>
+              <a:rPr kumimoji="1" lang="zh-CN" altLang="en-US" sz="1600" b="1" dirty="0"/>
+              <a:t>、张三拾金不昧</a:t>
+            </a:r>
+            <a:endParaRPr kumimoji="1" lang="en-US" altLang="zh-CN" sz="1600" b="1" dirty="0"/>
+          </a:p>
+          <a:p>
+            <a:r>
+              <a:rPr kumimoji="1" lang="en-US" altLang="zh-CN" sz="1600" b="1" dirty="0"/>
+              <a:t>C</a:t>
+            </a:r>
+            <a:r>
+              <a:rPr kumimoji="1" lang="zh-CN" altLang="en-US" sz="1600" b="1" dirty="0"/>
+              <a:t>、张三是好人</a:t>
+            </a:r>
+            <a:endParaRPr kumimoji="1" lang="en-US" altLang="zh-CN" sz="1600" b="1" dirty="0"/>
+          </a:p>
+          <a:p>
+            <a:r>
+              <a:rPr kumimoji="1" lang="en-US" altLang="zh-CN" sz="1600" b="1" dirty="0"/>
+              <a:t>P2</a:t>
+            </a:r>
+            <a:r>
+              <a:rPr kumimoji="1" lang="zh-CN" altLang="en-US" sz="1600" b="1" dirty="0"/>
+              <a:t>、拾金不昧的是好人（肯定假设）</a:t>
+            </a:r>
+          </a:p>
+        </p:txBody>
+      </p:sp>
+      <p:sp>
+        <p:nvSpPr>
+          <p:cNvPr id="9" name="文本框 8">
+            <a:extLst>
+              <a:ext uri="{FF2B5EF4-FFF2-40B4-BE49-F238E27FC236}">
+                <a16:creationId xmlns:a16="http://schemas.microsoft.com/office/drawing/2014/main" id="{5C04A978-1D55-0D3B-74BB-EDA411B126BC}"/>
+              </a:ext>
+            </a:extLst>
+          </p:cNvPr>
+          <p:cNvSpPr txBox="1"/>
+          <p:nvPr/>
+        </p:nvSpPr>
+        <p:spPr>
+          <a:xfrm>
+            <a:off x="336885" y="3799210"/>
+            <a:ext cx="3171061" cy="338554"/>
+          </a:xfrm>
+          <a:prstGeom prst="rect">
+            <a:avLst/>
+          </a:prstGeom>
+          <a:noFill/>
+        </p:spPr>
+        <p:txBody>
+          <a:bodyPr wrap="none" rtlCol="0">
+            <a:spAutoFit/>
+          </a:bodyPr>
+          <a:lstStyle/>
+          <a:p>
+            <a:r>
+              <a:rPr kumimoji="1" lang="en-US" altLang="zh-CN" sz="1600" b="1" dirty="0"/>
+              <a:t>2</a:t>
+            </a:r>
+            <a:r>
+              <a:rPr kumimoji="1" lang="zh-CN" altLang="en-US" sz="1600" b="1" dirty="0"/>
+              <a:t>、补充原理或原则（增强论据）</a:t>
+            </a:r>
+          </a:p>
+        </p:txBody>
+      </p:sp>
+      <p:sp>
+        <p:nvSpPr>
+          <p:cNvPr id="10" name="文本框 9">
+            <a:extLst>
+              <a:ext uri="{FF2B5EF4-FFF2-40B4-BE49-F238E27FC236}">
+                <a16:creationId xmlns:a16="http://schemas.microsoft.com/office/drawing/2014/main" id="{B8166370-5D6F-0C3C-8F0B-F90D2C93477A}"/>
+              </a:ext>
+            </a:extLst>
+          </p:cNvPr>
+          <p:cNvSpPr txBox="1"/>
+          <p:nvPr/>
+        </p:nvSpPr>
+        <p:spPr>
+          <a:xfrm>
+            <a:off x="661365" y="4303566"/>
+            <a:ext cx="5137945" cy="1815882"/>
+          </a:xfrm>
+          <a:prstGeom prst="rect">
+            <a:avLst/>
+          </a:prstGeom>
+          <a:noFill/>
+        </p:spPr>
+        <p:txBody>
+          <a:bodyPr wrap="none" rtlCol="0">
+            <a:spAutoFit/>
+          </a:bodyPr>
+          <a:lstStyle/>
+          <a:p>
+            <a:r>
+              <a:rPr kumimoji="1" lang="zh-CN" altLang="en-US" sz="1600" b="1" dirty="0"/>
+              <a:t>论证结构：收敛</a:t>
+            </a:r>
+            <a:endParaRPr kumimoji="1" lang="en-US" altLang="zh-CN" sz="1600" b="1" dirty="0"/>
+          </a:p>
+          <a:p>
+            <a:endParaRPr kumimoji="1" lang="en-US" altLang="zh-CN" sz="1600" b="1" dirty="0"/>
+          </a:p>
+          <a:p>
+            <a:r>
+              <a:rPr kumimoji="1" lang="zh-CN" altLang="en-US" sz="1600" b="1" dirty="0"/>
+              <a:t>举例：</a:t>
+            </a:r>
+            <a:endParaRPr kumimoji="1" lang="en-US" altLang="zh-CN" sz="1600" b="1" dirty="0"/>
+          </a:p>
+          <a:p>
+            <a:r>
+              <a:rPr kumimoji="1" lang="en-US" altLang="zh-CN" sz="1600" b="1" dirty="0"/>
+              <a:t>P1</a:t>
+            </a:r>
+            <a:r>
+              <a:rPr kumimoji="1" lang="zh-CN" altLang="en-US" sz="1600" b="1" dirty="0"/>
+              <a:t>：研究发现，温度高地区动物患病高，温度低患病低</a:t>
+            </a:r>
+            <a:endParaRPr kumimoji="1" lang="en-US" altLang="zh-CN" sz="1600" b="1" dirty="0"/>
+          </a:p>
+          <a:p>
+            <a:r>
+              <a:rPr kumimoji="1" lang="en-US" altLang="zh-CN" sz="1600" b="1" dirty="0"/>
+              <a:t>C:</a:t>
+            </a:r>
+            <a:r>
+              <a:rPr kumimoji="1" lang="zh-CN" altLang="en-US" sz="1600" b="1" dirty="0"/>
+              <a:t>气温升高会加剧野动物传染病爆发</a:t>
+            </a:r>
+            <a:endParaRPr kumimoji="1" lang="en-US" altLang="zh-CN" sz="1600" b="1" dirty="0"/>
+          </a:p>
+          <a:p>
+            <a:r>
+              <a:rPr kumimoji="1" lang="en-US" altLang="zh-CN" sz="1600" b="1" dirty="0"/>
+              <a:t>P2</a:t>
+            </a:r>
+            <a:r>
+              <a:rPr kumimoji="1" lang="zh-CN" altLang="en-US" sz="1600" b="1" dirty="0"/>
+              <a:t>：气温高低与动物患病正相关（补充原理、原则）</a:t>
+            </a:r>
+            <a:endParaRPr kumimoji="1" lang="en-US" altLang="zh-CN" sz="1600" b="1" dirty="0"/>
+          </a:p>
+          <a:p>
+            <a:r>
+              <a:rPr kumimoji="1" lang="zh-CN" altLang="en-US" sz="1600" b="1" dirty="0"/>
+              <a:t>（注意：这里没有</a:t>
+            </a:r>
+            <a:r>
+              <a:rPr kumimoji="1" lang="en-US" altLang="zh-CN" sz="1600" b="1" dirty="0"/>
+              <a:t>P2</a:t>
+            </a:r>
+            <a:r>
+              <a:rPr kumimoji="1" lang="zh-CN" altLang="en-US" sz="1600" b="1" dirty="0"/>
+              <a:t>月成立，只是有</a:t>
+            </a:r>
+            <a:r>
+              <a:rPr kumimoji="1" lang="en-US" altLang="zh-CN" sz="1600" b="1" dirty="0"/>
+              <a:t>P2</a:t>
+            </a:r>
+            <a:r>
+              <a:rPr kumimoji="1" lang="zh-CN" altLang="en-US" sz="1600" b="1" dirty="0"/>
+              <a:t>更好）</a:t>
+            </a:r>
+          </a:p>
+        </p:txBody>
+      </p:sp>
+      <p:sp>
+        <p:nvSpPr>
+          <p:cNvPr id="13" name="文本框 12">
+            <a:extLst>
+              <a:ext uri="{FF2B5EF4-FFF2-40B4-BE49-F238E27FC236}">
+                <a16:creationId xmlns:a16="http://schemas.microsoft.com/office/drawing/2014/main" id="{B69606F6-98A6-E355-ACEB-57CB63C403F3}"/>
+              </a:ext>
+            </a:extLst>
+          </p:cNvPr>
+          <p:cNvSpPr txBox="1"/>
+          <p:nvPr/>
+        </p:nvSpPr>
+        <p:spPr>
+          <a:xfrm>
+            <a:off x="5851862" y="991075"/>
+            <a:ext cx="4196983" cy="338554"/>
+          </a:xfrm>
+          <a:prstGeom prst="rect">
+            <a:avLst/>
+          </a:prstGeom>
+          <a:noFill/>
+        </p:spPr>
+        <p:txBody>
+          <a:bodyPr wrap="none" rtlCol="0">
+            <a:spAutoFit/>
+          </a:bodyPr>
+          <a:lstStyle/>
+          <a:p>
+            <a:r>
+              <a:rPr kumimoji="1" lang="en-US" altLang="zh-CN" sz="1600" b="1" dirty="0"/>
+              <a:t>3</a:t>
+            </a:r>
+            <a:r>
+              <a:rPr kumimoji="1" lang="zh-CN" altLang="en-US" sz="1600" b="1" dirty="0"/>
+              <a:t>、增加论据之举例（有因有果、无因无果）</a:t>
+            </a:r>
+          </a:p>
+        </p:txBody>
+      </p:sp>
+      <p:sp>
+        <p:nvSpPr>
+          <p:cNvPr id="14" name="文本框 13">
+            <a:extLst>
+              <a:ext uri="{FF2B5EF4-FFF2-40B4-BE49-F238E27FC236}">
+                <a16:creationId xmlns:a16="http://schemas.microsoft.com/office/drawing/2014/main" id="{B5590ECB-5A99-C442-5700-19F286F2C565}"/>
+              </a:ext>
+            </a:extLst>
+          </p:cNvPr>
+          <p:cNvSpPr txBox="1"/>
+          <p:nvPr/>
+        </p:nvSpPr>
+        <p:spPr>
+          <a:xfrm>
+            <a:off x="6214998" y="1489131"/>
+            <a:ext cx="5724644" cy="2062103"/>
+          </a:xfrm>
+          <a:prstGeom prst="rect">
+            <a:avLst/>
+          </a:prstGeom>
+          <a:noFill/>
+        </p:spPr>
+        <p:txBody>
+          <a:bodyPr wrap="none" rtlCol="0">
+            <a:spAutoFit/>
+          </a:bodyPr>
+          <a:lstStyle/>
+          <a:p>
+            <a:r>
+              <a:rPr kumimoji="1" lang="zh-CN" altLang="en-US" sz="1600" b="1" dirty="0"/>
+              <a:t>论证结构：收敛式</a:t>
+            </a:r>
+            <a:endParaRPr kumimoji="1" lang="en-US" altLang="zh-CN" sz="1600" b="1" dirty="0"/>
+          </a:p>
+          <a:p>
+            <a:endParaRPr kumimoji="1" lang="en-US" altLang="zh-CN" sz="1600" b="1" dirty="0"/>
+          </a:p>
+          <a:p>
+            <a:r>
+              <a:rPr kumimoji="1" lang="zh-CN" altLang="en-US" sz="1600" b="1" dirty="0"/>
+              <a:t>举例：</a:t>
+            </a:r>
+            <a:endParaRPr kumimoji="1" lang="en-US" altLang="zh-CN" sz="1600" b="1" dirty="0"/>
+          </a:p>
+          <a:p>
+            <a:r>
+              <a:rPr kumimoji="1" lang="en-US" altLang="zh-CN" sz="1600" b="1" dirty="0"/>
+              <a:t>P1</a:t>
+            </a:r>
+            <a:r>
+              <a:rPr kumimoji="1" lang="zh-CN" altLang="en-US" sz="1600" b="1" dirty="0"/>
+              <a:t>：实验表明，睡眠断续的人，患抑郁症概率高</a:t>
+            </a:r>
+            <a:r>
+              <a:rPr kumimoji="1" lang="en-US" altLang="zh-CN" sz="1600" b="1" dirty="0"/>
+              <a:t>5</a:t>
+            </a:r>
+            <a:r>
+              <a:rPr kumimoji="1" lang="zh-CN" altLang="en-US" sz="1600" b="1" dirty="0"/>
+              <a:t>倍</a:t>
+            </a:r>
+            <a:endParaRPr kumimoji="1" lang="en-US" altLang="zh-CN" sz="1600" b="1" dirty="0"/>
+          </a:p>
+          <a:p>
+            <a:r>
+              <a:rPr kumimoji="1" lang="en-US" altLang="zh-CN" sz="1600" b="1" dirty="0"/>
+              <a:t>C</a:t>
+            </a:r>
+            <a:r>
+              <a:rPr kumimoji="1" lang="zh-CN" altLang="en-US" sz="1600" b="1" dirty="0"/>
+              <a:t>：睡眠断续可能导致抑郁症</a:t>
+            </a:r>
+            <a:endParaRPr kumimoji="1" lang="en-US" altLang="zh-CN" sz="1600" b="1" dirty="0"/>
+          </a:p>
+          <a:p>
+            <a:r>
+              <a:rPr kumimoji="1" lang="en-US" altLang="zh-CN" sz="1600" b="1" dirty="0"/>
+              <a:t>P2</a:t>
+            </a:r>
+            <a:r>
+              <a:rPr kumimoji="1" lang="zh-CN" altLang="en-US" sz="1600" b="1" dirty="0"/>
+              <a:t>：</a:t>
+            </a:r>
+            <a:endParaRPr kumimoji="1" lang="en-US" altLang="zh-CN" sz="1600" b="1" dirty="0"/>
+          </a:p>
+          <a:p>
+            <a:r>
+              <a:rPr kumimoji="1" lang="zh-CN" altLang="en-US" sz="1600" b="1" dirty="0"/>
+              <a:t>睡眠正常的人，可缓解抑郁症症状（无因无果）</a:t>
+            </a:r>
+            <a:endParaRPr kumimoji="1" lang="en-US" altLang="zh-CN" sz="1600" b="1" dirty="0"/>
+          </a:p>
+          <a:p>
+            <a:r>
+              <a:rPr kumimoji="1" lang="zh-CN" altLang="en-US" sz="1600" b="1" dirty="0"/>
+              <a:t>睡眠断续的人，无论年龄，得抑郁症几率都很高（有因有果）</a:t>
+            </a:r>
+          </a:p>
+        </p:txBody>
+      </p:sp>
+      <p:sp>
+        <p:nvSpPr>
+          <p:cNvPr id="20" name="文本框 19">
+            <a:extLst>
+              <a:ext uri="{FF2B5EF4-FFF2-40B4-BE49-F238E27FC236}">
+                <a16:creationId xmlns:a16="http://schemas.microsoft.com/office/drawing/2014/main" id="{5F1D2847-17F2-D380-84ED-88DCD17AB6D2}"/>
+              </a:ext>
+            </a:extLst>
+          </p:cNvPr>
+          <p:cNvSpPr txBox="1"/>
+          <p:nvPr/>
+        </p:nvSpPr>
+        <p:spPr>
+          <a:xfrm>
+            <a:off x="5851862" y="3805510"/>
+            <a:ext cx="3932487" cy="338554"/>
+          </a:xfrm>
+          <a:prstGeom prst="rect">
+            <a:avLst/>
+          </a:prstGeom>
+          <a:noFill/>
+        </p:spPr>
+        <p:txBody>
+          <a:bodyPr wrap="none" rtlCol="0">
+            <a:spAutoFit/>
+          </a:bodyPr>
+          <a:lstStyle/>
+          <a:p>
+            <a:r>
+              <a:rPr kumimoji="1" lang="en-US" altLang="zh-CN" sz="1600" b="1" dirty="0"/>
+              <a:t>3</a:t>
+            </a:r>
+            <a:r>
+              <a:rPr kumimoji="1" lang="zh-CN" altLang="en-US" sz="1600" b="1" dirty="0"/>
+              <a:t>、增强（保证）论据的真实性和可靠性</a:t>
+            </a:r>
+          </a:p>
+        </p:txBody>
+      </p:sp>
+      <p:sp>
+        <p:nvSpPr>
+          <p:cNvPr id="21" name="文本框 20">
+            <a:extLst>
+              <a:ext uri="{FF2B5EF4-FFF2-40B4-BE49-F238E27FC236}">
+                <a16:creationId xmlns:a16="http://schemas.microsoft.com/office/drawing/2014/main" id="{18A6E4CC-053B-702C-022C-300AA77AF458}"/>
+              </a:ext>
+            </a:extLst>
+          </p:cNvPr>
+          <p:cNvSpPr txBox="1"/>
+          <p:nvPr/>
+        </p:nvSpPr>
+        <p:spPr>
+          <a:xfrm>
+            <a:off x="6214998" y="4303566"/>
+            <a:ext cx="5753498" cy="1815882"/>
+          </a:xfrm>
+          <a:prstGeom prst="rect">
+            <a:avLst/>
+          </a:prstGeom>
+          <a:noFill/>
+        </p:spPr>
+        <p:txBody>
+          <a:bodyPr wrap="none" rtlCol="0">
+            <a:spAutoFit/>
+          </a:bodyPr>
+          <a:lstStyle/>
+          <a:p>
+            <a:r>
+              <a:rPr kumimoji="1" lang="zh-CN" altLang="en-US" sz="1600" b="1" dirty="0"/>
+              <a:t>论证结构：线性结构</a:t>
+            </a:r>
+            <a:endParaRPr kumimoji="1" lang="en-US" altLang="zh-CN" sz="1600" b="1" dirty="0"/>
+          </a:p>
+          <a:p>
+            <a:endParaRPr kumimoji="1" lang="en-US" altLang="zh-CN" sz="1600" b="1" dirty="0"/>
+          </a:p>
+          <a:p>
+            <a:r>
+              <a:rPr kumimoji="1" lang="zh-CN" altLang="en-US" sz="1600" b="1" dirty="0"/>
+              <a:t>举例：</a:t>
+            </a:r>
+            <a:endParaRPr kumimoji="1" lang="en-US" altLang="zh-CN" sz="1600" b="1" dirty="0"/>
+          </a:p>
+          <a:p>
+            <a:r>
+              <a:rPr kumimoji="1" lang="en-US" altLang="zh-CN" sz="1600" b="1" dirty="0"/>
+              <a:t>P1</a:t>
+            </a:r>
+            <a:r>
+              <a:rPr kumimoji="1" lang="zh-CN" altLang="en-US" sz="1600" b="1" dirty="0"/>
+              <a:t>：大飞机更平稳，小飞机更颠簸</a:t>
+            </a:r>
+            <a:endParaRPr kumimoji="1" lang="en-US" altLang="zh-CN" sz="1600" b="1" dirty="0"/>
+          </a:p>
+          <a:p>
+            <a:r>
+              <a:rPr kumimoji="1" lang="en-US" altLang="zh-CN" sz="1600" b="1" dirty="0"/>
+              <a:t>C:</a:t>
+            </a:r>
+            <a:r>
+              <a:rPr kumimoji="1" lang="zh-CN" altLang="en-US" sz="1600" b="1" dirty="0"/>
+              <a:t>大飞机比小飞机安全</a:t>
+            </a:r>
+            <a:endParaRPr kumimoji="1" lang="en-US" altLang="zh-CN" sz="1600" b="1" dirty="0"/>
+          </a:p>
+          <a:p>
+            <a:r>
+              <a:rPr kumimoji="1" lang="en-US" altLang="zh-CN" sz="1600" b="1" dirty="0"/>
+              <a:t>P2</a:t>
+            </a:r>
+            <a:r>
+              <a:rPr kumimoji="1" lang="zh-CN" altLang="en-US" sz="1600" b="1" dirty="0"/>
+              <a:t>：飞机在对流层飞行时颠簸剧烈，小飞机主要在对流层飞行</a:t>
+            </a:r>
+            <a:endParaRPr kumimoji="1" lang="en-US" altLang="zh-CN" sz="1600" b="1" dirty="0"/>
+          </a:p>
+          <a:p>
+            <a:r>
+              <a:rPr kumimoji="1" lang="zh-CN" altLang="en-US" sz="1600" b="1" dirty="0"/>
+              <a:t>（单独</a:t>
+            </a:r>
+            <a:r>
+              <a:rPr kumimoji="1" lang="en-US" altLang="zh-CN" sz="1600" b="1" dirty="0"/>
+              <a:t>P2</a:t>
+            </a:r>
+            <a:r>
+              <a:rPr kumimoji="1" lang="zh-CN" altLang="en-US" sz="1600" b="1" dirty="0"/>
+              <a:t>不能推</a:t>
+            </a:r>
+            <a:r>
+              <a:rPr kumimoji="1" lang="en-US" altLang="zh-CN" sz="1600" b="1" dirty="0"/>
+              <a:t>C</a:t>
+            </a:r>
+            <a:r>
+              <a:rPr kumimoji="1" lang="zh-CN" altLang="en-US" sz="1600" b="1" dirty="0"/>
+              <a:t>，加强（保证）了</a:t>
+            </a:r>
+            <a:r>
+              <a:rPr kumimoji="1" lang="en-US" altLang="zh-CN" sz="1600" b="1" dirty="0"/>
+              <a:t>P1</a:t>
+            </a:r>
+            <a:r>
+              <a:rPr kumimoji="1" lang="zh-CN" altLang="en-US" sz="1600" b="1" dirty="0"/>
+              <a:t>（理由）的可靠性）</a:t>
+            </a:r>
+          </a:p>
+        </p:txBody>
+      </p:sp>
+    </p:spTree>
+    <p:extLst>
+      <p:ext uri="{BB962C8B-B14F-4D97-AF65-F5344CB8AC3E}">
+        <p14:creationId xmlns:p14="http://schemas.microsoft.com/office/powerpoint/2010/main" val="1348987940"/>
+      </p:ext>
+    </p:extLst>
+  </p:cSld>
+  <p:clrMapOvr>
+    <a:masterClrMapping/>
+  </p:clrMapOvr>
+</p:sld>
+</file>
+
+<file path=ppt/slides/slide5.xml><?xml version="1.0" encoding="utf-8"?>
+<p:sld xmlns:a="http://schemas.openxmlformats.org/drawingml/2006/main" xmlns:r="http://schemas.openxmlformats.org/officeDocument/2006/relationships" xmlns:p="http://schemas.openxmlformats.org/presentationml/2006/main">
+  <p:cSld>
+    <p:spTree>
+      <p:nvGrpSpPr>
+        <p:cNvPr id="1" name=""/>
+        <p:cNvGrpSpPr/>
+        <p:nvPr/>
+      </p:nvGrpSpPr>
+      <p:grpSpPr>
+        <a:xfrm>
+          <a:off x="0" y="0"/>
+          <a:ext cx="0" cy="0"/>
+          <a:chOff x="0" y="0"/>
+          <a:chExt cx="0" cy="0"/>
+        </a:xfrm>
+      </p:grpSpPr>
+      <p:sp>
+        <p:nvSpPr>
+          <p:cNvPr id="4" name="文本框 3">
+            <a:extLst>
+              <a:ext uri="{FF2B5EF4-FFF2-40B4-BE49-F238E27FC236}">
                 <a16:creationId xmlns:a16="http://schemas.microsoft.com/office/drawing/2014/main" id="{7A83F834-5B03-56E6-FD66-146C239E5DC6}"/>
               </a:ext>
             </a:extLst>
@@ -5150,7 +6196,7 @@
 </p:sld>
 </file>
 
-<file path=ppt/slides/slide5.xml><?xml version="1.0" encoding="utf-8"?>
+<file path=ppt/slides/slide6.xml><?xml version="1.0" encoding="utf-8"?>
 <p:sld xmlns:a="http://schemas.openxmlformats.org/drawingml/2006/main" xmlns:r="http://schemas.openxmlformats.org/officeDocument/2006/relationships" xmlns:p="http://schemas.openxmlformats.org/presentationml/2006/main">
   <p:cSld>
     <p:spTree>
@@ -6263,4 +7309,299 @@
     </a:ext>
   </a:extLst>
 </a:theme>
+</file>
+
+<file path=ppt/theme/theme2.xml><?xml version="1.0" encoding="utf-8"?>
+<a:theme xmlns:a="http://schemas.openxmlformats.org/drawingml/2006/main" name="Office 主题​​">
+  <a:themeElements>
+    <a:clrScheme name="Office">
+      <a:dk1>
+        <a:sysClr val="windowText" lastClr="000000"/>
+      </a:dk1>
+      <a:lt1>
+        <a:sysClr val="window" lastClr="FFFFFF"/>
+      </a:lt1>
+      <a:dk2>
+        <a:srgbClr val="44546A"/>
+      </a:dk2>
+      <a:lt2>
+        <a:srgbClr val="E7E6E6"/>
+      </a:lt2>
+      <a:accent1>
+        <a:srgbClr val="4472C4"/>
+      </a:accent1>
+      <a:accent2>
+        <a:srgbClr val="ED7D31"/>
+      </a:accent2>
+      <a:accent3>
+        <a:srgbClr val="A5A5A5"/>
+      </a:accent3>
+      <a:accent4>
+        <a:srgbClr val="FFC000"/>
+      </a:accent4>
+      <a:accent5>
+        <a:srgbClr val="5B9BD5"/>
+      </a:accent5>
+      <a:accent6>
+        <a:srgbClr val="70AD47"/>
+      </a:accent6>
+      <a:hlink>
+        <a:srgbClr val="0563C1"/>
+      </a:hlink>
+      <a:folHlink>
+        <a:srgbClr val="954F72"/>
+      </a:folHlink>
+    </a:clrScheme>
+    <a:fontScheme name="Office">
+      <a:majorFont>
+        <a:latin typeface="等线 Light" panose="020F0302020204030204"/>
+        <a:ea typeface=""/>
+        <a:cs typeface=""/>
+        <a:font script="Jpan" typeface="游ゴシック Light"/>
+        <a:font script="Hang" typeface="맑은 고딕"/>
+        <a:font script="Hans" typeface="等线 Light"/>
+        <a:font script="Hant" typeface="新細明體"/>
+        <a:font script="Arab" typeface="Times New Roman"/>
+        <a:font script="Hebr" typeface="Times New Roman"/>
+        <a:font script="Thai" typeface="Angsana New"/>
+        <a:font script="Ethi" typeface="Nyala"/>
+        <a:font script="Beng" typeface="Vrinda"/>
+        <a:font script="Gujr" typeface="Shruti"/>
+        <a:font script="Khmr" typeface="MoolBoran"/>
+        <a:font script="Knda" typeface="Tunga"/>
+        <a:font script="Guru" typeface="Raavi"/>
+        <a:font script="Cans" typeface="Euphemia"/>
+        <a:font script="Cher" typeface="Plantagenet Cherokee"/>
+        <a:font script="Yiii" typeface="Microsoft Yi Baiti"/>
+        <a:font script="Tibt" typeface="Microsoft Himalaya"/>
+        <a:font script="Thaa" typeface="MV Boli"/>
+        <a:font script="Deva" typeface="Mangal"/>
+        <a:font script="Telu" typeface="Gautami"/>
+        <a:font script="Taml" typeface="Latha"/>
+        <a:font script="Syrc" typeface="Estrangelo Edessa"/>
+        <a:font script="Orya" typeface="Kalinga"/>
+        <a:font script="Mlym" typeface="Kartika"/>
+        <a:font script="Laoo" typeface="DokChampa"/>
+        <a:font script="Sinh" typeface="Iskoola Pota"/>
+        <a:font script="Mong" typeface="Mongolian Baiti"/>
+        <a:font script="Viet" typeface="Times New Roman"/>
+        <a:font script="Uigh" typeface="Microsoft Uighur"/>
+        <a:font script="Geor" typeface="Sylfaen"/>
+        <a:font script="Armn" typeface="Arial"/>
+        <a:font script="Bugi" typeface="Leelawadee UI"/>
+        <a:font script="Bopo" typeface="Microsoft JhengHei"/>
+        <a:font script="Java" typeface="Javanese Text"/>
+        <a:font script="Lisu" typeface="Segoe UI"/>
+        <a:font script="Mymr" typeface="Myanmar Text"/>
+        <a:font script="Nkoo" typeface="Ebrima"/>
+        <a:font script="Olck" typeface="Nirmala UI"/>
+        <a:font script="Osma" typeface="Ebrima"/>
+        <a:font script="Phag" typeface="Phagspa"/>
+        <a:font script="Syrn" typeface="Estrangelo Edessa"/>
+        <a:font script="Syrj" typeface="Estrangelo Edessa"/>
+        <a:font script="Syre" typeface="Estrangelo Edessa"/>
+        <a:font script="Sora" typeface="Nirmala UI"/>
+        <a:font script="Tale" typeface="Microsoft Tai Le"/>
+        <a:font script="Talu" typeface="Microsoft New Tai Lue"/>
+        <a:font script="Tfng" typeface="Ebrima"/>
+      </a:majorFont>
+      <a:minorFont>
+        <a:latin typeface="等线" panose="020F0502020204030204"/>
+        <a:ea typeface=""/>
+        <a:cs typeface=""/>
+        <a:font script="Jpan" typeface="游ゴシック"/>
+        <a:font script="Hang" typeface="맑은 고딕"/>
+        <a:font script="Hans" typeface="等线"/>
+        <a:font script="Hant" typeface="新細明體"/>
+        <a:font script="Arab" typeface="Arial"/>
+        <a:font script="Hebr" typeface="Arial"/>
+        <a:font script="Thai" typeface="Cordia New"/>
+        <a:font script="Ethi" typeface="Nyala"/>
+        <a:font script="Beng" typeface="Vrinda"/>
+        <a:font script="Gujr" typeface="Shruti"/>
+        <a:font script="Khmr" typeface="DaunPenh"/>
+        <a:font script="Knda" typeface="Tunga"/>
+        <a:font script="Guru" typeface="Raavi"/>
+        <a:font script="Cans" typeface="Euphemia"/>
+        <a:font script="Cher" typeface="Plantagenet Cherokee"/>
+        <a:font script="Yiii" typeface="Microsoft Yi Baiti"/>
+        <a:font script="Tibt" typeface="Microsoft Himalaya"/>
+        <a:font script="Thaa" typeface="MV Boli"/>
+        <a:font script="Deva" typeface="Mangal"/>
+        <a:font script="Telu" typeface="Gautami"/>
+        <a:font script="Taml" typeface="Latha"/>
+        <a:font script="Syrc" typeface="Estrangelo Edessa"/>
+        <a:font script="Orya" typeface="Kalinga"/>
+        <a:font script="Mlym" typeface="Kartika"/>
+        <a:font script="Laoo" typeface="DokChampa"/>
+        <a:font script="Sinh" typeface="Iskoola Pota"/>
+        <a:font script="Mong" typeface="Mongolian Baiti"/>
+        <a:font script="Viet" typeface="Arial"/>
+        <a:font script="Uigh" typeface="Microsoft Uighur"/>
+        <a:font script="Geor" typeface="Sylfaen"/>
+        <a:font script="Armn" typeface="Arial"/>
+        <a:font script="Bugi" typeface="Leelawadee UI"/>
+        <a:font script="Bopo" typeface="Microsoft JhengHei"/>
+        <a:font script="Java" typeface="Javanese Text"/>
+        <a:font script="Lisu" typeface="Segoe UI"/>
+        <a:font script="Mymr" typeface="Myanmar Text"/>
+        <a:font script="Nkoo" typeface="Ebrima"/>
+        <a:font script="Olck" typeface="Nirmala UI"/>
+        <a:font script="Osma" typeface="Ebrima"/>
+        <a:font script="Phag" typeface="Phagspa"/>
+        <a:font script="Syrn" typeface="Estrangelo Edessa"/>
+        <a:font script="Syrj" typeface="Estrangelo Edessa"/>
+        <a:font script="Syre" typeface="Estrangelo Edessa"/>
+        <a:font script="Sora" typeface="Nirmala UI"/>
+        <a:font script="Tale" typeface="Microsoft Tai Le"/>
+        <a:font script="Talu" typeface="Microsoft New Tai Lue"/>
+        <a:font script="Tfng" typeface="Ebrima"/>
+      </a:minorFont>
+    </a:fontScheme>
+    <a:fmtScheme name="Office">
+      <a:fillStyleLst>
+        <a:solidFill>
+          <a:schemeClr val="phClr"/>
+        </a:solidFill>
+        <a:gradFill rotWithShape="1">
+          <a:gsLst>
+            <a:gs pos="0">
+              <a:schemeClr val="phClr">
+                <a:lumMod val="110000"/>
+                <a:satMod val="105000"/>
+                <a:tint val="67000"/>
+              </a:schemeClr>
+            </a:gs>
+            <a:gs pos="50000">
+              <a:schemeClr val="phClr">
+                <a:lumMod val="105000"/>
+                <a:satMod val="103000"/>
+                <a:tint val="73000"/>
+              </a:schemeClr>
+            </a:gs>
+            <a:gs pos="100000">
+              <a:schemeClr val="phClr">
+                <a:lumMod val="105000"/>
+                <a:satMod val="109000"/>
+                <a:tint val="81000"/>
+              </a:schemeClr>
+            </a:gs>
+          </a:gsLst>
+          <a:lin ang="5400000" scaled="0"/>
+        </a:gradFill>
+        <a:gradFill rotWithShape="1">
+          <a:gsLst>
+            <a:gs pos="0">
+              <a:schemeClr val="phClr">
+                <a:satMod val="103000"/>
+                <a:lumMod val="102000"/>
+                <a:tint val="94000"/>
+              </a:schemeClr>
+            </a:gs>
+            <a:gs pos="50000">
+              <a:schemeClr val="phClr">
+                <a:satMod val="110000"/>
+                <a:lumMod val="100000"/>
+                <a:shade val="100000"/>
+              </a:schemeClr>
+            </a:gs>
+            <a:gs pos="100000">
+              <a:schemeClr val="phClr">
+                <a:lumMod val="99000"/>
+                <a:satMod val="120000"/>
+                <a:shade val="78000"/>
+              </a:schemeClr>
+            </a:gs>
+          </a:gsLst>
+          <a:lin ang="5400000" scaled="0"/>
+        </a:gradFill>
+      </a:fillStyleLst>
+      <a:lnStyleLst>
+        <a:ln w="6350" cap="flat" cmpd="sng" algn="ctr">
+          <a:solidFill>
+            <a:schemeClr val="phClr"/>
+          </a:solidFill>
+          <a:prstDash val="solid"/>
+          <a:miter lim="800000"/>
+        </a:ln>
+        <a:ln w="12700" cap="flat" cmpd="sng" algn="ctr">
+          <a:solidFill>
+            <a:schemeClr val="phClr"/>
+          </a:solidFill>
+          <a:prstDash val="solid"/>
+          <a:miter lim="800000"/>
+        </a:ln>
+        <a:ln w="19050" cap="flat" cmpd="sng" algn="ctr">
+          <a:solidFill>
+            <a:schemeClr val="phClr"/>
+          </a:solidFill>
+          <a:prstDash val="solid"/>
+          <a:miter lim="800000"/>
+        </a:ln>
+      </a:lnStyleLst>
+      <a:effectStyleLst>
+        <a:effectStyle>
+          <a:effectLst/>
+        </a:effectStyle>
+        <a:effectStyle>
+          <a:effectLst/>
+        </a:effectStyle>
+        <a:effectStyle>
+          <a:effectLst>
+            <a:outerShdw blurRad="57150" dist="19050" dir="5400000" algn="ctr" rotWithShape="0">
+              <a:srgbClr val="000000">
+                <a:alpha val="63000"/>
+              </a:srgbClr>
+            </a:outerShdw>
+          </a:effectLst>
+        </a:effectStyle>
+      </a:effectStyleLst>
+      <a:bgFillStyleLst>
+        <a:solidFill>
+          <a:schemeClr val="phClr"/>
+        </a:solidFill>
+        <a:solidFill>
+          <a:schemeClr val="phClr">
+            <a:tint val="95000"/>
+            <a:satMod val="170000"/>
+          </a:schemeClr>
+        </a:solidFill>
+        <a:gradFill rotWithShape="1">
+          <a:gsLst>
+            <a:gs pos="0">
+              <a:schemeClr val="phClr">
+                <a:tint val="93000"/>
+                <a:satMod val="150000"/>
+                <a:shade val="98000"/>
+                <a:lumMod val="102000"/>
+              </a:schemeClr>
+            </a:gs>
+            <a:gs pos="50000">
+              <a:schemeClr val="phClr">
+                <a:tint val="98000"/>
+                <a:satMod val="130000"/>
+                <a:shade val="90000"/>
+                <a:lumMod val="103000"/>
+              </a:schemeClr>
+            </a:gs>
+            <a:gs pos="100000">
+              <a:schemeClr val="phClr">
+                <a:shade val="63000"/>
+                <a:satMod val="120000"/>
+              </a:schemeClr>
+            </a:gs>
+          </a:gsLst>
+          <a:lin ang="5400000" scaled="0"/>
+        </a:gradFill>
+      </a:bgFillStyleLst>
+    </a:fmtScheme>
+  </a:themeElements>
+  <a:objectDefaults/>
+  <a:extraClrSchemeLst/>
+  <a:extLst>
+    <a:ext uri="{05A4C25C-085E-4340-85A3-A5531E510DB2}">
+      <thm15:themeFamily xmlns:thm15="http://schemas.microsoft.com/office/thememl/2012/main" name="Office Theme" id="{62F939B6-93AF-4DB8-9C6B-D6C7DFDC589F}" vid="{4A3C46E8-61CC-4603-A589-7422A47A8E4A}"/>
+    </a:ext>
+  </a:extLst>
+</a:theme>
 </file>
--- a/事业编备考/判断推理/判断推理.pptx
+++ b/事业编备考/判断推理/判断推理.pptx
@@ -202,7 +202,7 @@
           <a:p>
             <a:fld id="{D08A2399-7EE3-C742-8BEC-65455010FB7B}" type="datetimeFigureOut">
               <a:rPr kumimoji="1" lang="zh-CN" altLang="en-US" smtClean="0"/>
-              <a:t>2022/10/1</a:t>
+              <a:t>2022/10/2</a:t>
             </a:fld>
             <a:endParaRPr kumimoji="1" lang="zh-CN" altLang="en-US"/>
           </a:p>
@@ -700,7 +700,7 @@
           <a:p>
             <a:fld id="{2EEEAFF2-312D-AC4C-B48A-5A13BF469FB7}" type="datetimeFigureOut">
               <a:rPr kumimoji="1" lang="zh-CN" altLang="en-US" smtClean="0"/>
-              <a:t>2022/10/1</a:t>
+              <a:t>2022/10/2</a:t>
             </a:fld>
             <a:endParaRPr kumimoji="1" lang="zh-CN" altLang="en-US"/>
           </a:p>
@@ -898,7 +898,7 @@
           <a:p>
             <a:fld id="{2EEEAFF2-312D-AC4C-B48A-5A13BF469FB7}" type="datetimeFigureOut">
               <a:rPr kumimoji="1" lang="zh-CN" altLang="en-US" smtClean="0"/>
-              <a:t>2022/10/1</a:t>
+              <a:t>2022/10/2</a:t>
             </a:fld>
             <a:endParaRPr kumimoji="1" lang="zh-CN" altLang="en-US"/>
           </a:p>
@@ -1106,7 +1106,7 @@
           <a:p>
             <a:fld id="{2EEEAFF2-312D-AC4C-B48A-5A13BF469FB7}" type="datetimeFigureOut">
               <a:rPr kumimoji="1" lang="zh-CN" altLang="en-US" smtClean="0"/>
-              <a:t>2022/10/1</a:t>
+              <a:t>2022/10/2</a:t>
             </a:fld>
             <a:endParaRPr kumimoji="1" lang="zh-CN" altLang="en-US"/>
           </a:p>
@@ -1304,7 +1304,7 @@
           <a:p>
             <a:fld id="{2EEEAFF2-312D-AC4C-B48A-5A13BF469FB7}" type="datetimeFigureOut">
               <a:rPr kumimoji="1" lang="zh-CN" altLang="en-US" smtClean="0"/>
-              <a:t>2022/10/1</a:t>
+              <a:t>2022/10/2</a:t>
             </a:fld>
             <a:endParaRPr kumimoji="1" lang="zh-CN" altLang="en-US"/>
           </a:p>
@@ -1579,7 +1579,7 @@
           <a:p>
             <a:fld id="{2EEEAFF2-312D-AC4C-B48A-5A13BF469FB7}" type="datetimeFigureOut">
               <a:rPr kumimoji="1" lang="zh-CN" altLang="en-US" smtClean="0"/>
-              <a:t>2022/10/1</a:t>
+              <a:t>2022/10/2</a:t>
             </a:fld>
             <a:endParaRPr kumimoji="1" lang="zh-CN" altLang="en-US"/>
           </a:p>
@@ -1844,7 +1844,7 @@
           <a:p>
             <a:fld id="{2EEEAFF2-312D-AC4C-B48A-5A13BF469FB7}" type="datetimeFigureOut">
               <a:rPr kumimoji="1" lang="zh-CN" altLang="en-US" smtClean="0"/>
-              <a:t>2022/10/1</a:t>
+              <a:t>2022/10/2</a:t>
             </a:fld>
             <a:endParaRPr kumimoji="1" lang="zh-CN" altLang="en-US"/>
           </a:p>
@@ -2256,7 +2256,7 @@
           <a:p>
             <a:fld id="{2EEEAFF2-312D-AC4C-B48A-5A13BF469FB7}" type="datetimeFigureOut">
               <a:rPr kumimoji="1" lang="zh-CN" altLang="en-US" smtClean="0"/>
-              <a:t>2022/10/1</a:t>
+              <a:t>2022/10/2</a:t>
             </a:fld>
             <a:endParaRPr kumimoji="1" lang="zh-CN" altLang="en-US"/>
           </a:p>
@@ -2397,7 +2397,7 @@
           <a:p>
             <a:fld id="{2EEEAFF2-312D-AC4C-B48A-5A13BF469FB7}" type="datetimeFigureOut">
               <a:rPr kumimoji="1" lang="zh-CN" altLang="en-US" smtClean="0"/>
-              <a:t>2022/10/1</a:t>
+              <a:t>2022/10/2</a:t>
             </a:fld>
             <a:endParaRPr kumimoji="1" lang="zh-CN" altLang="en-US"/>
           </a:p>
@@ -2510,7 +2510,7 @@
           <a:p>
             <a:fld id="{2EEEAFF2-312D-AC4C-B48A-5A13BF469FB7}" type="datetimeFigureOut">
               <a:rPr kumimoji="1" lang="zh-CN" altLang="en-US" smtClean="0"/>
-              <a:t>2022/10/1</a:t>
+              <a:t>2022/10/2</a:t>
             </a:fld>
             <a:endParaRPr kumimoji="1" lang="zh-CN" altLang="en-US"/>
           </a:p>
@@ -2821,7 +2821,7 @@
           <a:p>
             <a:fld id="{2EEEAFF2-312D-AC4C-B48A-5A13BF469FB7}" type="datetimeFigureOut">
               <a:rPr kumimoji="1" lang="zh-CN" altLang="en-US" smtClean="0"/>
-              <a:t>2022/10/1</a:t>
+              <a:t>2022/10/2</a:t>
             </a:fld>
             <a:endParaRPr kumimoji="1" lang="zh-CN" altLang="en-US"/>
           </a:p>
@@ -3109,7 +3109,7 @@
           <a:p>
             <a:fld id="{2EEEAFF2-312D-AC4C-B48A-5A13BF469FB7}" type="datetimeFigureOut">
               <a:rPr kumimoji="1" lang="zh-CN" altLang="en-US" smtClean="0"/>
-              <a:t>2022/10/1</a:t>
+              <a:t>2022/10/2</a:t>
             </a:fld>
             <a:endParaRPr kumimoji="1" lang="zh-CN" altLang="en-US"/>
           </a:p>
@@ -3350,7 +3350,7 @@
           <a:p>
             <a:fld id="{2EEEAFF2-312D-AC4C-B48A-5A13BF469FB7}" type="datetimeFigureOut">
               <a:rPr kumimoji="1" lang="zh-CN" altLang="en-US" smtClean="0"/>
-              <a:t>2022/10/1</a:t>
+              <a:t>2022/10/2</a:t>
             </a:fld>
             <a:endParaRPr kumimoji="1" lang="zh-CN" altLang="en-US"/>
           </a:p>
@@ -5243,7 +5243,7 @@
         <p:spPr>
           <a:xfrm>
             <a:off x="5851862" y="3805510"/>
-            <a:ext cx="3932487" cy="338554"/>
+            <a:ext cx="3786614" cy="338554"/>
           </a:xfrm>
           <a:prstGeom prst="rect">
             <a:avLst/>

--- a/事业编备考/判断推理/判断推理.pptx
+++ b/事业编备考/判断推理/判断推理.pptx
@@ -5,7 +5,7 @@
     <p:sldMasterId id="2147483648" r:id="rId1"/>
   </p:sldMasterIdLst>
   <p:notesMasterIdLst>
-    <p:notesMasterId r:id="rId8"/>
+    <p:notesMasterId r:id="rId9"/>
   </p:notesMasterIdLst>
   <p:sldIdLst>
     <p:sldId id="257" r:id="rId2"/>
@@ -13,7 +13,8 @@
     <p:sldId id="259" r:id="rId4"/>
     <p:sldId id="261" r:id="rId5"/>
     <p:sldId id="260" r:id="rId6"/>
-    <p:sldId id="256" r:id="rId7"/>
+    <p:sldId id="262" r:id="rId7"/>
+    <p:sldId id="256" r:id="rId8"/>
   </p:sldIdLst>
   <p:sldSz cx="12192000" cy="6858000"/>
   <p:notesSz cx="6858000" cy="9144000"/>
@@ -202,7 +203,7 @@
           <a:p>
             <a:fld id="{D08A2399-7EE3-C742-8BEC-65455010FB7B}" type="datetimeFigureOut">
               <a:rPr kumimoji="1" lang="zh-CN" altLang="en-US" smtClean="0"/>
-              <a:t>2022/10/2</a:t>
+              <a:t>2022/10/5</a:t>
             </a:fld>
             <a:endParaRPr kumimoji="1" lang="zh-CN" altLang="en-US"/>
           </a:p>
@@ -700,7 +701,7 @@
           <a:p>
             <a:fld id="{2EEEAFF2-312D-AC4C-B48A-5A13BF469FB7}" type="datetimeFigureOut">
               <a:rPr kumimoji="1" lang="zh-CN" altLang="en-US" smtClean="0"/>
-              <a:t>2022/10/2</a:t>
+              <a:t>2022/10/5</a:t>
             </a:fld>
             <a:endParaRPr kumimoji="1" lang="zh-CN" altLang="en-US"/>
           </a:p>
@@ -898,7 +899,7 @@
           <a:p>
             <a:fld id="{2EEEAFF2-312D-AC4C-B48A-5A13BF469FB7}" type="datetimeFigureOut">
               <a:rPr kumimoji="1" lang="zh-CN" altLang="en-US" smtClean="0"/>
-              <a:t>2022/10/2</a:t>
+              <a:t>2022/10/5</a:t>
             </a:fld>
             <a:endParaRPr kumimoji="1" lang="zh-CN" altLang="en-US"/>
           </a:p>
@@ -1106,7 +1107,7 @@
           <a:p>
             <a:fld id="{2EEEAFF2-312D-AC4C-B48A-5A13BF469FB7}" type="datetimeFigureOut">
               <a:rPr kumimoji="1" lang="zh-CN" altLang="en-US" smtClean="0"/>
-              <a:t>2022/10/2</a:t>
+              <a:t>2022/10/5</a:t>
             </a:fld>
             <a:endParaRPr kumimoji="1" lang="zh-CN" altLang="en-US"/>
           </a:p>
@@ -1304,7 +1305,7 @@
           <a:p>
             <a:fld id="{2EEEAFF2-312D-AC4C-B48A-5A13BF469FB7}" type="datetimeFigureOut">
               <a:rPr kumimoji="1" lang="zh-CN" altLang="en-US" smtClean="0"/>
-              <a:t>2022/10/2</a:t>
+              <a:t>2022/10/5</a:t>
             </a:fld>
             <a:endParaRPr kumimoji="1" lang="zh-CN" altLang="en-US"/>
           </a:p>
@@ -1579,7 +1580,7 @@
           <a:p>
             <a:fld id="{2EEEAFF2-312D-AC4C-B48A-5A13BF469FB7}" type="datetimeFigureOut">
               <a:rPr kumimoji="1" lang="zh-CN" altLang="en-US" smtClean="0"/>
-              <a:t>2022/10/2</a:t>
+              <a:t>2022/10/5</a:t>
             </a:fld>
             <a:endParaRPr kumimoji="1" lang="zh-CN" altLang="en-US"/>
           </a:p>
@@ -1844,7 +1845,7 @@
           <a:p>
             <a:fld id="{2EEEAFF2-312D-AC4C-B48A-5A13BF469FB7}" type="datetimeFigureOut">
               <a:rPr kumimoji="1" lang="zh-CN" altLang="en-US" smtClean="0"/>
-              <a:t>2022/10/2</a:t>
+              <a:t>2022/10/5</a:t>
             </a:fld>
             <a:endParaRPr kumimoji="1" lang="zh-CN" altLang="en-US"/>
           </a:p>
@@ -2256,7 +2257,7 @@
           <a:p>
             <a:fld id="{2EEEAFF2-312D-AC4C-B48A-5A13BF469FB7}" type="datetimeFigureOut">
               <a:rPr kumimoji="1" lang="zh-CN" altLang="en-US" smtClean="0"/>
-              <a:t>2022/10/2</a:t>
+              <a:t>2022/10/5</a:t>
             </a:fld>
             <a:endParaRPr kumimoji="1" lang="zh-CN" altLang="en-US"/>
           </a:p>
@@ -2397,7 +2398,7 @@
           <a:p>
             <a:fld id="{2EEEAFF2-312D-AC4C-B48A-5A13BF469FB7}" type="datetimeFigureOut">
               <a:rPr kumimoji="1" lang="zh-CN" altLang="en-US" smtClean="0"/>
-              <a:t>2022/10/2</a:t>
+              <a:t>2022/10/5</a:t>
             </a:fld>
             <a:endParaRPr kumimoji="1" lang="zh-CN" altLang="en-US"/>
           </a:p>
@@ -2510,7 +2511,7 @@
           <a:p>
             <a:fld id="{2EEEAFF2-312D-AC4C-B48A-5A13BF469FB7}" type="datetimeFigureOut">
               <a:rPr kumimoji="1" lang="zh-CN" altLang="en-US" smtClean="0"/>
-              <a:t>2022/10/2</a:t>
+              <a:t>2022/10/5</a:t>
             </a:fld>
             <a:endParaRPr kumimoji="1" lang="zh-CN" altLang="en-US"/>
           </a:p>
@@ -2821,7 +2822,7 @@
           <a:p>
             <a:fld id="{2EEEAFF2-312D-AC4C-B48A-5A13BF469FB7}" type="datetimeFigureOut">
               <a:rPr kumimoji="1" lang="zh-CN" altLang="en-US" smtClean="0"/>
-              <a:t>2022/10/2</a:t>
+              <a:t>2022/10/5</a:t>
             </a:fld>
             <a:endParaRPr kumimoji="1" lang="zh-CN" altLang="en-US"/>
           </a:p>
@@ -3109,7 +3110,7 @@
           <a:p>
             <a:fld id="{2EEEAFF2-312D-AC4C-B48A-5A13BF469FB7}" type="datetimeFigureOut">
               <a:rPr kumimoji="1" lang="zh-CN" altLang="en-US" smtClean="0"/>
-              <a:t>2022/10/2</a:t>
+              <a:t>2022/10/5</a:t>
             </a:fld>
             <a:endParaRPr kumimoji="1" lang="zh-CN" altLang="en-US"/>
           </a:p>
@@ -3350,7 +3351,7 @@
           <a:p>
             <a:fld id="{2EEEAFF2-312D-AC4C-B48A-5A13BF469FB7}" type="datetimeFigureOut">
               <a:rPr kumimoji="1" lang="zh-CN" altLang="en-US" smtClean="0"/>
-              <a:t>2022/10/2</a:t>
+              <a:t>2022/10/5</a:t>
             </a:fld>
             <a:endParaRPr kumimoji="1" lang="zh-CN" altLang="en-US"/>
           </a:p>
@@ -5406,783 +5407,36 @@
           <a:chExt cx="0" cy="0"/>
         </a:xfrm>
       </p:grpSpPr>
-      <p:sp>
-        <p:nvSpPr>
-          <p:cNvPr id="4" name="文本框 3">
-            <a:extLst>
-              <a:ext uri="{FF2B5EF4-FFF2-40B4-BE49-F238E27FC236}">
-                <a16:creationId xmlns:a16="http://schemas.microsoft.com/office/drawing/2014/main" id="{7A83F834-5B03-56E6-FD66-146C239E5DC6}"/>
-              </a:ext>
-            </a:extLst>
-          </p:cNvPr>
-          <p:cNvSpPr txBox="1"/>
+      <p:pic>
+        <p:nvPicPr>
+          <p:cNvPr id="20" name="图片 19">
+            <a:extLst>
+              <a:ext uri="{FF2B5EF4-FFF2-40B4-BE49-F238E27FC236}">
+                <a16:creationId xmlns:a16="http://schemas.microsoft.com/office/drawing/2014/main" id="{B3111ED4-667B-A355-7A64-ACDC2B52E204}"/>
+              </a:ext>
+            </a:extLst>
+          </p:cNvPr>
+          <p:cNvPicPr>
+            <a:picLocks noChangeAspect="1"/>
+          </p:cNvPicPr>
           <p:nvPr/>
-        </p:nvSpPr>
-        <p:spPr>
-          <a:xfrm>
-            <a:off x="336885" y="327259"/>
-            <a:ext cx="800219" cy="461665"/>
+        </p:nvPicPr>
+        <p:blipFill>
+          <a:blip r:embed="rId2"/>
+          <a:stretch>
+            <a:fillRect/>
+          </a:stretch>
+        </p:blipFill>
+        <p:spPr>
+          <a:xfrm>
+            <a:off x="92150" y="415463"/>
+            <a:ext cx="12007699" cy="6027074"/>
           </a:xfrm>
           <a:prstGeom prst="rect">
             <a:avLst/>
           </a:prstGeom>
-          <a:noFill/>
-        </p:spPr>
-        <p:txBody>
-          <a:bodyPr wrap="none" rtlCol="0">
-            <a:spAutoFit/>
-          </a:bodyPr>
-          <a:lstStyle/>
-          <a:p>
-            <a:r>
-              <a:rPr kumimoji="1" lang="zh-CN" altLang="en-US" sz="2400" b="1" dirty="0"/>
-              <a:t>削弱</a:t>
-            </a:r>
-          </a:p>
-        </p:txBody>
-      </p:sp>
-      <p:sp>
-        <p:nvSpPr>
-          <p:cNvPr id="5" name="文本框 4">
-            <a:extLst>
-              <a:ext uri="{FF2B5EF4-FFF2-40B4-BE49-F238E27FC236}">
-                <a16:creationId xmlns:a16="http://schemas.microsoft.com/office/drawing/2014/main" id="{FA01DD67-DAAF-19F9-AEF2-C12C18527B9D}"/>
-              </a:ext>
-            </a:extLst>
-          </p:cNvPr>
-          <p:cNvSpPr txBox="1"/>
-          <p:nvPr/>
-        </p:nvSpPr>
-        <p:spPr>
-          <a:xfrm>
-            <a:off x="336885" y="1353954"/>
-            <a:ext cx="1338828" cy="369332"/>
-          </a:xfrm>
-          <a:prstGeom prst="rect">
-            <a:avLst/>
-          </a:prstGeom>
-          <a:noFill/>
-        </p:spPr>
-        <p:txBody>
-          <a:bodyPr wrap="none" rtlCol="0">
-            <a:spAutoFit/>
-          </a:bodyPr>
-          <a:lstStyle/>
-          <a:p>
-            <a:r>
-              <a:rPr kumimoji="1" lang="zh-CN" altLang="en-US" b="1" dirty="0"/>
-              <a:t>因果倒置型</a:t>
-            </a:r>
-          </a:p>
-        </p:txBody>
-      </p:sp>
-      <p:sp>
-        <p:nvSpPr>
-          <p:cNvPr id="6" name="文本框 5">
-            <a:extLst>
-              <a:ext uri="{FF2B5EF4-FFF2-40B4-BE49-F238E27FC236}">
-                <a16:creationId xmlns:a16="http://schemas.microsoft.com/office/drawing/2014/main" id="{D676ED5D-5D83-93DD-4DAB-F099687EE217}"/>
-              </a:ext>
-            </a:extLst>
-          </p:cNvPr>
-          <p:cNvSpPr txBox="1"/>
-          <p:nvPr/>
-        </p:nvSpPr>
-        <p:spPr>
-          <a:xfrm>
-            <a:off x="1675713" y="1076955"/>
-            <a:ext cx="1338828" cy="923330"/>
-          </a:xfrm>
-          <a:prstGeom prst="rect">
-            <a:avLst/>
-          </a:prstGeom>
-          <a:noFill/>
-        </p:spPr>
-        <p:txBody>
-          <a:bodyPr wrap="none" rtlCol="0">
-            <a:spAutoFit/>
-          </a:bodyPr>
-          <a:lstStyle/>
-          <a:p>
-            <a:r>
-              <a:rPr kumimoji="1" lang="zh-CN" altLang="en-US" b="1" dirty="0"/>
-              <a:t>题中有因果</a:t>
-            </a:r>
-            <a:endParaRPr kumimoji="1" lang="en-US" altLang="zh-CN" b="1" dirty="0"/>
-          </a:p>
-          <a:p>
-            <a:endParaRPr kumimoji="1" lang="en-US" altLang="zh-CN" b="1" dirty="0"/>
-          </a:p>
-          <a:p>
-            <a:r>
-              <a:rPr kumimoji="1" lang="zh-CN" altLang="en-US" b="1" dirty="0"/>
-              <a:t>因果反着说</a:t>
-            </a:r>
-          </a:p>
-        </p:txBody>
-      </p:sp>
-      <p:sp>
-        <p:nvSpPr>
-          <p:cNvPr id="7" name="文本框 6">
-            <a:extLst>
-              <a:ext uri="{FF2B5EF4-FFF2-40B4-BE49-F238E27FC236}">
-                <a16:creationId xmlns:a16="http://schemas.microsoft.com/office/drawing/2014/main" id="{92946027-BD30-C286-F042-280F78A16279}"/>
-              </a:ext>
-            </a:extLst>
-          </p:cNvPr>
-          <p:cNvSpPr txBox="1"/>
-          <p:nvPr/>
-        </p:nvSpPr>
-        <p:spPr>
-          <a:xfrm>
-            <a:off x="336885" y="2776406"/>
-            <a:ext cx="1338828" cy="369332"/>
-          </a:xfrm>
-          <a:prstGeom prst="rect">
-            <a:avLst/>
-          </a:prstGeom>
-          <a:noFill/>
-        </p:spPr>
-        <p:txBody>
-          <a:bodyPr wrap="none" rtlCol="0">
-            <a:spAutoFit/>
-          </a:bodyPr>
-          <a:lstStyle/>
-          <a:p>
-            <a:r>
-              <a:rPr kumimoji="1" lang="zh-CN" altLang="en-US" b="1" dirty="0"/>
-              <a:t>题干吵架型</a:t>
-            </a:r>
-          </a:p>
-        </p:txBody>
-      </p:sp>
-      <p:sp>
-        <p:nvSpPr>
-          <p:cNvPr id="8" name="文本框 7">
-            <a:extLst>
-              <a:ext uri="{FF2B5EF4-FFF2-40B4-BE49-F238E27FC236}">
-                <a16:creationId xmlns:a16="http://schemas.microsoft.com/office/drawing/2014/main" id="{3AC43DE2-7E4A-43C3-4509-1E86C0C8F287}"/>
-              </a:ext>
-            </a:extLst>
-          </p:cNvPr>
-          <p:cNvSpPr txBox="1"/>
-          <p:nvPr/>
-        </p:nvSpPr>
-        <p:spPr>
-          <a:xfrm>
-            <a:off x="1675713" y="2499407"/>
-            <a:ext cx="2582758" cy="923330"/>
-          </a:xfrm>
-          <a:prstGeom prst="rect">
-            <a:avLst/>
-          </a:prstGeom>
-          <a:noFill/>
-        </p:spPr>
-        <p:txBody>
-          <a:bodyPr wrap="none" rtlCol="0">
-            <a:spAutoFit/>
-          </a:bodyPr>
-          <a:lstStyle/>
-          <a:p>
-            <a:r>
-              <a:rPr kumimoji="1" lang="zh-CN" altLang="en-US" b="1" dirty="0"/>
-              <a:t>不是 </a:t>
-            </a:r>
-            <a:r>
-              <a:rPr kumimoji="1" lang="en-US" altLang="zh-CN" b="1" dirty="0"/>
-              <a:t>A</a:t>
-            </a:r>
-            <a:r>
-              <a:rPr kumimoji="1" lang="zh-CN" altLang="en-US" b="1" dirty="0"/>
-              <a:t> 而是 </a:t>
-            </a:r>
-            <a:r>
-              <a:rPr kumimoji="1" lang="en-US" altLang="zh-CN" b="1" dirty="0"/>
-              <a:t>B</a:t>
-            </a:r>
-            <a:r>
-              <a:rPr kumimoji="1" lang="zh-CN" altLang="en-US" b="1" dirty="0"/>
-              <a:t> 导致结果</a:t>
-            </a:r>
-            <a:endParaRPr kumimoji="1" lang="en-US" altLang="zh-CN" b="1" dirty="0"/>
-          </a:p>
-          <a:p>
-            <a:endParaRPr kumimoji="1" lang="en-US" altLang="zh-CN" b="1" dirty="0"/>
-          </a:p>
-          <a:p>
-            <a:r>
-              <a:rPr kumimoji="1" lang="en-US" altLang="zh-CN" b="1" dirty="0"/>
-              <a:t>A</a:t>
-            </a:r>
-            <a:r>
-              <a:rPr kumimoji="1" lang="zh-CN" altLang="en-US" b="1" dirty="0"/>
-              <a:t> 导致 </a:t>
-            </a:r>
-            <a:r>
-              <a:rPr kumimoji="1" lang="en-US" altLang="zh-CN" b="1" dirty="0"/>
-              <a:t>B</a:t>
-            </a:r>
-            <a:endParaRPr kumimoji="1" lang="zh-CN" altLang="en-US" b="1" dirty="0"/>
-          </a:p>
-        </p:txBody>
-      </p:sp>
-      <p:sp>
-        <p:nvSpPr>
-          <p:cNvPr id="9" name="文本框 8">
-            <a:extLst>
-              <a:ext uri="{FF2B5EF4-FFF2-40B4-BE49-F238E27FC236}">
-                <a16:creationId xmlns:a16="http://schemas.microsoft.com/office/drawing/2014/main" id="{5119B422-0F06-702C-0ED1-4145ECE3D4E2}"/>
-              </a:ext>
-            </a:extLst>
-          </p:cNvPr>
-          <p:cNvSpPr txBox="1"/>
-          <p:nvPr/>
-        </p:nvSpPr>
-        <p:spPr>
-          <a:xfrm>
-            <a:off x="336885" y="4146308"/>
-            <a:ext cx="1338828" cy="369332"/>
-          </a:xfrm>
-          <a:prstGeom prst="rect">
-            <a:avLst/>
-          </a:prstGeom>
-          <a:noFill/>
-        </p:spPr>
-        <p:txBody>
-          <a:bodyPr wrap="none" rtlCol="0">
-            <a:spAutoFit/>
-          </a:bodyPr>
-          <a:lstStyle/>
-          <a:p>
-            <a:r>
-              <a:rPr kumimoji="1" lang="zh-CN" altLang="en-US" b="1" dirty="0"/>
-              <a:t>翻译论点型</a:t>
-            </a:r>
-          </a:p>
-        </p:txBody>
-      </p:sp>
-      <p:sp>
-        <p:nvSpPr>
-          <p:cNvPr id="10" name="文本框 9">
-            <a:extLst>
-              <a:ext uri="{FF2B5EF4-FFF2-40B4-BE49-F238E27FC236}">
-                <a16:creationId xmlns:a16="http://schemas.microsoft.com/office/drawing/2014/main" id="{41C82539-E534-9320-FFCC-2F8F2B4CF714}"/>
-              </a:ext>
-            </a:extLst>
-          </p:cNvPr>
-          <p:cNvSpPr txBox="1"/>
-          <p:nvPr/>
-        </p:nvSpPr>
-        <p:spPr>
-          <a:xfrm>
-            <a:off x="1675713" y="3870401"/>
-            <a:ext cx="4224233" cy="923330"/>
-          </a:xfrm>
-          <a:prstGeom prst="rect">
-            <a:avLst/>
-          </a:prstGeom>
-          <a:noFill/>
-        </p:spPr>
-        <p:txBody>
-          <a:bodyPr wrap="none" rtlCol="0">
-            <a:spAutoFit/>
-          </a:bodyPr>
-          <a:lstStyle/>
-          <a:p>
-            <a:r>
-              <a:rPr kumimoji="1" lang="zh-CN" altLang="en-US" b="1" dirty="0"/>
-              <a:t>论点能翻译（成 </a:t>
-            </a:r>
-            <a:r>
-              <a:rPr kumimoji="1" lang="en-US" altLang="zh-CN" b="1" dirty="0"/>
-              <a:t>A</a:t>
-            </a:r>
-            <a:r>
-              <a:rPr kumimoji="1" lang="zh-CN" altLang="en-US" b="1" dirty="0"/>
-              <a:t> </a:t>
-            </a:r>
-            <a:r>
-              <a:rPr kumimoji="1" lang="en-US" altLang="zh-CN" b="1" dirty="0"/>
-              <a:t>➡️</a:t>
-            </a:r>
-            <a:r>
-              <a:rPr kumimoji="1" lang="zh-CN" altLang="en-US" b="1" dirty="0"/>
-              <a:t> </a:t>
-            </a:r>
-            <a:r>
-              <a:rPr kumimoji="1" lang="en-US" altLang="zh-CN" b="1" dirty="0"/>
-              <a:t>B</a:t>
-            </a:r>
-            <a:r>
-              <a:rPr kumimoji="1" lang="zh-CN" altLang="en-US" b="1" dirty="0"/>
-              <a:t> ，</a:t>
-            </a:r>
-            <a:r>
-              <a:rPr kumimoji="1" lang="en-US" altLang="zh-CN" b="1" dirty="0"/>
-              <a:t>B</a:t>
-            </a:r>
-            <a:r>
-              <a:rPr kumimoji="1" lang="zh-CN" altLang="en-US" b="1" dirty="0"/>
-              <a:t> </a:t>
-            </a:r>
-            <a:r>
-              <a:rPr kumimoji="1" lang="en-US" altLang="zh-CN" b="1" dirty="0"/>
-              <a:t>➡️</a:t>
-            </a:r>
-            <a:r>
-              <a:rPr kumimoji="1" lang="zh-CN" altLang="en-US" b="1" dirty="0"/>
-              <a:t> </a:t>
-            </a:r>
-            <a:r>
-              <a:rPr kumimoji="1" lang="en-US" altLang="zh-CN" b="1" dirty="0"/>
-              <a:t>A</a:t>
-            </a:r>
-            <a:r>
-              <a:rPr kumimoji="1" lang="zh-CN" altLang="en-US" b="1" dirty="0"/>
-              <a:t> 都行）</a:t>
-            </a:r>
-            <a:endParaRPr kumimoji="1" lang="en-US" altLang="zh-CN" b="1" dirty="0"/>
-          </a:p>
-          <a:p>
-            <a:endParaRPr kumimoji="1" lang="en-US" altLang="zh-CN" b="1" dirty="0"/>
-          </a:p>
-          <a:p>
-            <a:r>
-              <a:rPr kumimoji="1" lang="en-US" altLang="zh-CN" b="1" dirty="0"/>
-              <a:t>A</a:t>
-            </a:r>
-            <a:r>
-              <a:rPr kumimoji="1" lang="zh-CN" altLang="en-US" b="1" dirty="0"/>
-              <a:t> 且 </a:t>
-            </a:r>
-            <a:r>
-              <a:rPr kumimoji="1" lang="en-US" altLang="zh-CN" b="1" dirty="0"/>
-              <a:t>-B</a:t>
-            </a:r>
-            <a:endParaRPr kumimoji="1" lang="zh-CN" altLang="en-US" b="1" dirty="0"/>
-          </a:p>
-        </p:txBody>
-      </p:sp>
-      <p:sp>
-        <p:nvSpPr>
-          <p:cNvPr id="11" name="文本框 10">
-            <a:extLst>
-              <a:ext uri="{FF2B5EF4-FFF2-40B4-BE49-F238E27FC236}">
-                <a16:creationId xmlns:a16="http://schemas.microsoft.com/office/drawing/2014/main" id="{CF60A61A-8534-F895-9350-B73B06F060F7}"/>
-              </a:ext>
-            </a:extLst>
-          </p:cNvPr>
-          <p:cNvSpPr txBox="1"/>
-          <p:nvPr/>
-        </p:nvSpPr>
-        <p:spPr>
-          <a:xfrm>
-            <a:off x="336885" y="5516210"/>
-            <a:ext cx="1338828" cy="369332"/>
-          </a:xfrm>
-          <a:prstGeom prst="rect">
-            <a:avLst/>
-          </a:prstGeom>
-          <a:noFill/>
-        </p:spPr>
-        <p:txBody>
-          <a:bodyPr wrap="none" rtlCol="0">
-            <a:spAutoFit/>
-          </a:bodyPr>
-          <a:lstStyle/>
-          <a:p>
-            <a:r>
-              <a:rPr kumimoji="1" lang="zh-CN" altLang="en-US" b="1" dirty="0"/>
-              <a:t>举措有效型</a:t>
-            </a:r>
-          </a:p>
-        </p:txBody>
-      </p:sp>
-      <p:sp>
-        <p:nvSpPr>
-          <p:cNvPr id="12" name="文本框 11">
-            <a:extLst>
-              <a:ext uri="{FF2B5EF4-FFF2-40B4-BE49-F238E27FC236}">
-                <a16:creationId xmlns:a16="http://schemas.microsoft.com/office/drawing/2014/main" id="{3A2F9FB1-2F35-FE74-C32B-1D05110ECC62}"/>
-              </a:ext>
-            </a:extLst>
-          </p:cNvPr>
-          <p:cNvSpPr txBox="1"/>
-          <p:nvPr/>
-        </p:nvSpPr>
-        <p:spPr>
-          <a:xfrm>
-            <a:off x="1675713" y="5239211"/>
-            <a:ext cx="2977097" cy="923330"/>
-          </a:xfrm>
-          <a:prstGeom prst="rect">
-            <a:avLst/>
-          </a:prstGeom>
-          <a:noFill/>
-        </p:spPr>
-        <p:txBody>
-          <a:bodyPr wrap="none" rtlCol="0">
-            <a:spAutoFit/>
-          </a:bodyPr>
-          <a:lstStyle/>
-          <a:p>
-            <a:r>
-              <a:rPr kumimoji="1" lang="en-US" altLang="zh-CN" b="1" dirty="0"/>
-              <a:t>A</a:t>
-            </a:r>
-            <a:r>
-              <a:rPr kumimoji="1" lang="zh-CN" altLang="en-US" b="1" dirty="0"/>
-              <a:t> 办法有效果     </a:t>
-            </a:r>
-            <a:r>
-              <a:rPr kumimoji="1" lang="en-US" altLang="zh-CN" b="1" dirty="0"/>
-              <a:t>/</a:t>
-            </a:r>
-            <a:r>
-              <a:rPr kumimoji="1" lang="zh-CN" altLang="en-US" b="1" dirty="0"/>
-              <a:t> 无效果</a:t>
-            </a:r>
-            <a:endParaRPr kumimoji="1" lang="en-US" altLang="zh-CN" b="1" dirty="0"/>
-          </a:p>
-          <a:p>
-            <a:endParaRPr kumimoji="1" lang="en-US" altLang="zh-CN" b="1" dirty="0"/>
-          </a:p>
-          <a:p>
-            <a:r>
-              <a:rPr kumimoji="1" lang="zh-CN" altLang="en-US" b="1" dirty="0"/>
-              <a:t>没 </a:t>
-            </a:r>
-            <a:r>
-              <a:rPr kumimoji="1" lang="en-US" altLang="zh-CN" b="1" dirty="0"/>
-              <a:t>A</a:t>
-            </a:r>
-            <a:r>
-              <a:rPr kumimoji="1" lang="zh-CN" altLang="en-US" b="1" dirty="0"/>
-              <a:t> 会更有效果 </a:t>
-            </a:r>
-            <a:r>
-              <a:rPr kumimoji="1" lang="en-US" altLang="zh-CN" b="1" dirty="0"/>
-              <a:t>/</a:t>
-            </a:r>
-            <a:r>
-              <a:rPr kumimoji="1" lang="zh-CN" altLang="en-US" b="1" dirty="0"/>
-              <a:t> 更无效果</a:t>
-            </a:r>
-          </a:p>
-        </p:txBody>
-      </p:sp>
-      <p:sp>
-        <p:nvSpPr>
-          <p:cNvPr id="13" name="文本框 12">
-            <a:extLst>
-              <a:ext uri="{FF2B5EF4-FFF2-40B4-BE49-F238E27FC236}">
-                <a16:creationId xmlns:a16="http://schemas.microsoft.com/office/drawing/2014/main" id="{0A845E7E-019A-29A3-4FE7-F61843217F2C}"/>
-              </a:ext>
-            </a:extLst>
-          </p:cNvPr>
-          <p:cNvSpPr txBox="1"/>
-          <p:nvPr/>
-        </p:nvSpPr>
-        <p:spPr>
-          <a:xfrm>
-            <a:off x="6195874" y="1362999"/>
-            <a:ext cx="1338828" cy="369332"/>
-          </a:xfrm>
-          <a:prstGeom prst="rect">
-            <a:avLst/>
-          </a:prstGeom>
-          <a:noFill/>
-        </p:spPr>
-        <p:txBody>
-          <a:bodyPr wrap="none" rtlCol="0">
-            <a:spAutoFit/>
-          </a:bodyPr>
-          <a:lstStyle/>
-          <a:p>
-            <a:r>
-              <a:rPr kumimoji="1" lang="zh-CN" altLang="en-US" b="1" dirty="0"/>
-              <a:t>不降反升型</a:t>
-            </a:r>
-          </a:p>
-        </p:txBody>
-      </p:sp>
-      <p:sp>
-        <p:nvSpPr>
-          <p:cNvPr id="14" name="文本框 13">
-            <a:extLst>
-              <a:ext uri="{FF2B5EF4-FFF2-40B4-BE49-F238E27FC236}">
-                <a16:creationId xmlns:a16="http://schemas.microsoft.com/office/drawing/2014/main" id="{A1083779-3610-00D8-41D4-FD09C53856A7}"/>
-              </a:ext>
-            </a:extLst>
-          </p:cNvPr>
-          <p:cNvSpPr txBox="1"/>
-          <p:nvPr/>
-        </p:nvSpPr>
-        <p:spPr>
-          <a:xfrm>
-            <a:off x="7534702" y="1086000"/>
-            <a:ext cx="2930610" cy="923330"/>
-          </a:xfrm>
-          <a:prstGeom prst="rect">
-            <a:avLst/>
-          </a:prstGeom>
-          <a:noFill/>
-        </p:spPr>
-        <p:txBody>
-          <a:bodyPr wrap="none" rtlCol="0">
-            <a:spAutoFit/>
-          </a:bodyPr>
-          <a:lstStyle/>
-          <a:p>
-            <a:r>
-              <a:rPr kumimoji="1" lang="zh-CN" altLang="en-US" b="1" dirty="0"/>
-              <a:t>论点出现“****，反而 **”</a:t>
-            </a:r>
-            <a:endParaRPr kumimoji="1" lang="en-US" altLang="zh-CN" b="1" dirty="0"/>
-          </a:p>
-          <a:p>
-            <a:endParaRPr kumimoji="1" lang="en-US" altLang="zh-CN" b="1" dirty="0"/>
-          </a:p>
-          <a:p>
-            <a:r>
-              <a:rPr kumimoji="1" lang="zh-CN" altLang="en-US" b="1" dirty="0"/>
-              <a:t>重点解释反而之后</a:t>
-            </a:r>
-          </a:p>
-        </p:txBody>
-      </p:sp>
-      <p:sp>
-        <p:nvSpPr>
-          <p:cNvPr id="15" name="文本框 14">
-            <a:extLst>
-              <a:ext uri="{FF2B5EF4-FFF2-40B4-BE49-F238E27FC236}">
-                <a16:creationId xmlns:a16="http://schemas.microsoft.com/office/drawing/2014/main" id="{41FE5A2A-A30F-A464-CC41-5511E918FDA3}"/>
-              </a:ext>
-            </a:extLst>
-          </p:cNvPr>
-          <p:cNvSpPr txBox="1"/>
-          <p:nvPr/>
-        </p:nvSpPr>
-        <p:spPr>
-          <a:xfrm>
-            <a:off x="6195874" y="2782506"/>
-            <a:ext cx="1338828" cy="369332"/>
-          </a:xfrm>
-          <a:prstGeom prst="rect">
-            <a:avLst/>
-          </a:prstGeom>
-          <a:noFill/>
-        </p:spPr>
-        <p:txBody>
-          <a:bodyPr wrap="none" rtlCol="0">
-            <a:spAutoFit/>
-          </a:bodyPr>
-          <a:lstStyle/>
-          <a:p>
-            <a:r>
-              <a:rPr kumimoji="1" lang="zh-CN" altLang="en-US" b="1" dirty="0"/>
-              <a:t>对比实验型</a:t>
-            </a:r>
-          </a:p>
-        </p:txBody>
-      </p:sp>
-      <p:sp>
-        <p:nvSpPr>
-          <p:cNvPr id="16" name="文本框 15">
-            <a:extLst>
-              <a:ext uri="{FF2B5EF4-FFF2-40B4-BE49-F238E27FC236}">
-                <a16:creationId xmlns:a16="http://schemas.microsoft.com/office/drawing/2014/main" id="{5D25C2B8-BA3A-E807-55DE-078B7704B194}"/>
-              </a:ext>
-            </a:extLst>
-          </p:cNvPr>
-          <p:cNvSpPr txBox="1"/>
-          <p:nvPr/>
-        </p:nvSpPr>
-        <p:spPr>
-          <a:xfrm>
-            <a:off x="7534702" y="2505507"/>
-            <a:ext cx="3086101" cy="923330"/>
-          </a:xfrm>
-          <a:prstGeom prst="rect">
-            <a:avLst/>
-          </a:prstGeom>
-          <a:noFill/>
-        </p:spPr>
-        <p:txBody>
-          <a:bodyPr wrap="none" rtlCol="0">
-            <a:spAutoFit/>
-          </a:bodyPr>
-          <a:lstStyle/>
-          <a:p>
-            <a:r>
-              <a:rPr kumimoji="1" lang="zh-CN" altLang="en-US" b="1" dirty="0"/>
-              <a:t>加强：实验前对象情况相同</a:t>
-            </a:r>
-            <a:endParaRPr kumimoji="1" lang="en-US" altLang="zh-CN" b="1" dirty="0"/>
-          </a:p>
-          <a:p>
-            <a:endParaRPr kumimoji="1" lang="en-US" altLang="zh-CN" b="1" dirty="0"/>
-          </a:p>
-          <a:p>
-            <a:r>
-              <a:rPr kumimoji="1" lang="zh-CN" altLang="en-US" b="1" dirty="0"/>
-              <a:t>削弱：</a:t>
-            </a:r>
-            <a:r>
-              <a:rPr kumimoji="1" lang="en-US" altLang="zh-CN" b="1" dirty="0"/>
-              <a:t>······························</a:t>
-            </a:r>
-            <a:r>
-              <a:rPr kumimoji="1" lang="zh-CN" altLang="en-US" b="1" dirty="0"/>
-              <a:t> 不同</a:t>
-            </a:r>
-            <a:endParaRPr kumimoji="1" lang="en-US" altLang="zh-CN" b="1" dirty="0"/>
-          </a:p>
-        </p:txBody>
-      </p:sp>
-      <p:sp>
-        <p:nvSpPr>
-          <p:cNvPr id="17" name="文本框 16">
-            <a:extLst>
-              <a:ext uri="{FF2B5EF4-FFF2-40B4-BE49-F238E27FC236}">
-                <a16:creationId xmlns:a16="http://schemas.microsoft.com/office/drawing/2014/main" id="{E03E0B26-85D4-A98E-CD21-E821F7A4E782}"/>
-              </a:ext>
-            </a:extLst>
-          </p:cNvPr>
-          <p:cNvSpPr txBox="1"/>
-          <p:nvPr/>
-        </p:nvSpPr>
-        <p:spPr>
-          <a:xfrm>
-            <a:off x="6195874" y="4152408"/>
-            <a:ext cx="1338828" cy="369332"/>
-          </a:xfrm>
-          <a:prstGeom prst="rect">
-            <a:avLst/>
-          </a:prstGeom>
-          <a:noFill/>
-        </p:spPr>
-        <p:txBody>
-          <a:bodyPr wrap="none" rtlCol="0">
-            <a:spAutoFit/>
-          </a:bodyPr>
-          <a:lstStyle/>
-          <a:p>
-            <a:r>
-              <a:rPr kumimoji="1" lang="zh-CN" altLang="en-US" b="1" dirty="0"/>
-              <a:t>部分整体型</a:t>
-            </a:r>
-          </a:p>
-        </p:txBody>
-      </p:sp>
-      <p:sp>
-        <p:nvSpPr>
-          <p:cNvPr id="18" name="文本框 17">
-            <a:extLst>
-              <a:ext uri="{FF2B5EF4-FFF2-40B4-BE49-F238E27FC236}">
-                <a16:creationId xmlns:a16="http://schemas.microsoft.com/office/drawing/2014/main" id="{B1CE7328-C53B-2F73-E37B-950BBF53FE82}"/>
-              </a:ext>
-            </a:extLst>
-          </p:cNvPr>
-          <p:cNvSpPr txBox="1"/>
-          <p:nvPr/>
-        </p:nvSpPr>
-        <p:spPr>
-          <a:xfrm>
-            <a:off x="7534702" y="3875409"/>
-            <a:ext cx="4320413" cy="923330"/>
-          </a:xfrm>
-          <a:prstGeom prst="rect">
-            <a:avLst/>
-          </a:prstGeom>
-          <a:noFill/>
-        </p:spPr>
-        <p:txBody>
-          <a:bodyPr wrap="none" rtlCol="0">
-            <a:spAutoFit/>
-          </a:bodyPr>
-          <a:lstStyle/>
-          <a:p>
-            <a:r>
-              <a:rPr kumimoji="1" lang="zh-CN" altLang="en-US" b="1" dirty="0"/>
-              <a:t>加强：部分能代表整体 </a:t>
-            </a:r>
-            <a:r>
-              <a:rPr kumimoji="1" lang="en-US" altLang="zh-CN" b="1" dirty="0"/>
-              <a:t>/</a:t>
-            </a:r>
-            <a:r>
-              <a:rPr kumimoji="1" lang="zh-CN" altLang="en-US" b="1" dirty="0"/>
-              <a:t> 其他部分也一样</a:t>
-            </a:r>
-            <a:endParaRPr kumimoji="1" lang="en-US" altLang="zh-CN" b="1" dirty="0"/>
-          </a:p>
-          <a:p>
-            <a:endParaRPr kumimoji="1" lang="en-US" altLang="zh-CN" b="1" dirty="0"/>
-          </a:p>
-          <a:p>
-            <a:r>
-              <a:rPr kumimoji="1" lang="zh-CN" altLang="en-US" b="1" dirty="0"/>
-              <a:t>削弱：部分 </a:t>
-            </a:r>
-            <a:r>
-              <a:rPr kumimoji="1" lang="en-US" altLang="zh-CN" b="1" dirty="0"/>
-              <a:t>≠</a:t>
-            </a:r>
-            <a:r>
-              <a:rPr kumimoji="1" lang="zh-CN" altLang="en-US" b="1" dirty="0"/>
-              <a:t> 整体      </a:t>
-            </a:r>
-            <a:r>
-              <a:rPr kumimoji="1" lang="en-US" altLang="zh-CN" b="1" dirty="0"/>
-              <a:t>/</a:t>
-            </a:r>
-            <a:r>
-              <a:rPr kumimoji="1" lang="zh-CN" altLang="en-US" b="1" dirty="0"/>
-              <a:t> 其他部分不一样</a:t>
-            </a:r>
-          </a:p>
-        </p:txBody>
-      </p:sp>
-      <p:sp>
-        <p:nvSpPr>
-          <p:cNvPr id="19" name="文本框 18">
-            <a:extLst>
-              <a:ext uri="{FF2B5EF4-FFF2-40B4-BE49-F238E27FC236}">
-                <a16:creationId xmlns:a16="http://schemas.microsoft.com/office/drawing/2014/main" id="{C9BE0315-0C06-EC4C-85FE-E483473E0056}"/>
-              </a:ext>
-            </a:extLst>
-          </p:cNvPr>
-          <p:cNvSpPr txBox="1"/>
-          <p:nvPr/>
-        </p:nvSpPr>
-        <p:spPr>
-          <a:xfrm>
-            <a:off x="6195874" y="4797777"/>
-            <a:ext cx="5426092" cy="369332"/>
-          </a:xfrm>
-          <a:prstGeom prst="rect">
-            <a:avLst/>
-          </a:prstGeom>
-          <a:noFill/>
-        </p:spPr>
-        <p:txBody>
-          <a:bodyPr wrap="square" rtlCol="0">
-            <a:spAutoFit/>
-          </a:bodyPr>
-          <a:lstStyle/>
-          <a:p>
-            <a:r>
-              <a:rPr kumimoji="1" lang="zh-CN" altLang="en-US" b="1" dirty="0">
-                <a:solidFill>
-                  <a:srgbClr val="FF0000"/>
-                </a:solidFill>
-              </a:rPr>
-              <a:t>（论据为部分，如美国；论点为整体，如世界）</a:t>
-            </a:r>
-          </a:p>
-        </p:txBody>
-      </p:sp>
+        </p:spPr>
+      </p:pic>
     </p:spTree>
     <p:extLst>
       <p:ext uri="{BB962C8B-B14F-4D97-AF65-F5344CB8AC3E}">
@@ -6197,6 +5451,66 @@
 </file>
 
 <file path=ppt/slides/slide6.xml><?xml version="1.0" encoding="utf-8"?>
+<p:sld xmlns:a="http://schemas.openxmlformats.org/drawingml/2006/main" xmlns:r="http://schemas.openxmlformats.org/officeDocument/2006/relationships" xmlns:p="http://schemas.openxmlformats.org/presentationml/2006/main">
+  <p:cSld>
+    <p:spTree>
+      <p:nvGrpSpPr>
+        <p:cNvPr id="1" name=""/>
+        <p:cNvGrpSpPr/>
+        <p:nvPr/>
+      </p:nvGrpSpPr>
+      <p:grpSpPr>
+        <a:xfrm>
+          <a:off x="0" y="0"/>
+          <a:ext cx="0" cy="0"/>
+          <a:chOff x="0" y="0"/>
+          <a:chExt cx="0" cy="0"/>
+        </a:xfrm>
+      </p:grpSpPr>
+      <p:pic>
+        <p:nvPicPr>
+          <p:cNvPr id="5" name="图片 4" descr="文本, 信件&#10;&#10;描述已自动生成">
+            <a:extLst>
+              <a:ext uri="{FF2B5EF4-FFF2-40B4-BE49-F238E27FC236}">
+                <a16:creationId xmlns:a16="http://schemas.microsoft.com/office/drawing/2014/main" id="{863CE61E-6963-9E59-40A3-6DCE94627AAD}"/>
+              </a:ext>
+            </a:extLst>
+          </p:cNvPr>
+          <p:cNvPicPr>
+            <a:picLocks noChangeAspect="1"/>
+          </p:cNvPicPr>
+          <p:nvPr/>
+        </p:nvPicPr>
+        <p:blipFill>
+          <a:blip r:embed="rId2"/>
+          <a:stretch>
+            <a:fillRect/>
+          </a:stretch>
+        </p:blipFill>
+        <p:spPr>
+          <a:xfrm>
+            <a:off x="0" y="99052"/>
+            <a:ext cx="12373332" cy="6758948"/>
+          </a:xfrm>
+          <a:prstGeom prst="rect">
+            <a:avLst/>
+          </a:prstGeom>
+        </p:spPr>
+      </p:pic>
+    </p:spTree>
+    <p:extLst>
+      <p:ext uri="{BB962C8B-B14F-4D97-AF65-F5344CB8AC3E}">
+        <p14:creationId xmlns:p14="http://schemas.microsoft.com/office/powerpoint/2010/main" val="1024626275"/>
+      </p:ext>
+    </p:extLst>
+  </p:cSld>
+  <p:clrMapOvr>
+    <a:masterClrMapping/>
+  </p:clrMapOvr>
+</p:sld>
+</file>
+
+<file path=ppt/slides/slide7.xml><?xml version="1.0" encoding="utf-8"?>
 <p:sld xmlns:a="http://schemas.openxmlformats.org/drawingml/2006/main" xmlns:r="http://schemas.openxmlformats.org/officeDocument/2006/relationships" xmlns:p="http://schemas.openxmlformats.org/presentationml/2006/main">
   <p:cSld>
     <p:spTree>
